--- a/PRESENT/Инопланетный шахтер.pptx
+++ b/PRESENT/Инопланетный шахтер.pptx
@@ -1,103 +1,57 @@
 
 <file path=ppt/presentation.xml><?xml version="1.0" encoding="utf-8"?>
-<p:presentation xmlns:a="http://schemas.openxmlformats.org/drawingml/2006/main" xmlns:r="http://schemas.openxmlformats.org/officeDocument/2006/relationships" xmlns:p="http://schemas.openxmlformats.org/presentationml/2006/main" saveSubsetFonts="1" embedTrueTypeFonts="true">
+<p:presentation xmlns:a="http://schemas.openxmlformats.org/drawingml/2006/main" xmlns:r="http://schemas.openxmlformats.org/officeDocument/2006/relationships" xmlns:p="http://schemas.openxmlformats.org/presentationml/2006/main" embedTrueTypeFonts="1" saveSubsetFonts="1">
   <p:sldMasterIdLst>
     <p:sldMasterId id="2147483648" r:id="rId1"/>
   </p:sldMasterIdLst>
   <p:sldIdLst>
-    <p:sldId id="256" r:id="rId26"/>
-    <p:sldId id="257" r:id="rId27"/>
-    <p:sldId id="258" r:id="rId28"/>
-    <p:sldId id="259" r:id="rId29"/>
-    <p:sldId id="260" r:id="rId30"/>
-    <p:sldId id="261" r:id="rId31"/>
-    <p:sldId id="262" r:id="rId32"/>
-    <p:sldId id="263" r:id="rId33"/>
-    <p:sldId id="264" r:id="rId34"/>
-    <p:sldId id="265" r:id="rId35"/>
+    <p:sldId id="256" r:id="rId2"/>
+    <p:sldId id="257" r:id="rId3"/>
+    <p:sldId id="258" r:id="rId4"/>
+    <p:sldId id="259" r:id="rId5"/>
+    <p:sldId id="260" r:id="rId6"/>
+    <p:sldId id="261" r:id="rId7"/>
+    <p:sldId id="262" r:id="rId8"/>
+    <p:sldId id="263" r:id="rId9"/>
+    <p:sldId id="264" r:id="rId10"/>
+    <p:sldId id="265" r:id="rId11"/>
+    <p:sldId id="266" r:id="rId12"/>
+    <p:sldId id="267" r:id="rId13"/>
+    <p:sldId id="268" r:id="rId14"/>
   </p:sldIdLst>
   <p:sldSz cx="18288000" cy="10287000"/>
   <p:notesSz cx="6858000" cy="9144000"/>
   <p:embeddedFontLst>
     <p:embeddedFont>
-      <p:font typeface="Arimo" charset="1" panose="020B0604020202020204"/>
-      <p:regular r:id="rId6"/>
-    </p:embeddedFont>
-    <p:embeddedFont>
-      <p:font typeface="Arimo Bold" charset="1" panose="020B0704020202020204"/>
-      <p:regular r:id="rId7"/>
-    </p:embeddedFont>
-    <p:embeddedFont>
-      <p:font typeface="Arimo Italics" charset="1" panose="020B0604020202090204"/>
-      <p:regular r:id="rId8"/>
-    </p:embeddedFont>
-    <p:embeddedFont>
-      <p:font typeface="Arimo Bold Italics" charset="1" panose="020B0704020202090204"/>
-      <p:regular r:id="rId9"/>
-    </p:embeddedFont>
-    <p:embeddedFont>
-      <p:font typeface="Open Sans Light" charset="1" panose="020B0306030504020204"/>
-      <p:regular r:id="rId10"/>
-    </p:embeddedFont>
-    <p:embeddedFont>
-      <p:font typeface="Open Sans Light Bold" charset="1" panose="020B0806030504020204"/>
-      <p:regular r:id="rId11"/>
-    </p:embeddedFont>
-    <p:embeddedFont>
-      <p:font typeface="Open Sans Light Italics" charset="1" panose="020B0306030504020204"/>
-      <p:regular r:id="rId12"/>
-    </p:embeddedFont>
-    <p:embeddedFont>
-      <p:font typeface="Open Sans Light Bold Italics" charset="1" panose="020B0806030504020204"/>
-      <p:regular r:id="rId13"/>
-    </p:embeddedFont>
-    <p:embeddedFont>
-      <p:font typeface="Open Sans" charset="1" panose="020B0606030504020204"/>
-      <p:regular r:id="rId14"/>
-    </p:embeddedFont>
-    <p:embeddedFont>
-      <p:font typeface="Open Sans Bold" charset="1" panose="020B0806030504020204"/>
+      <p:font typeface="Montserrat Semi-Bold Bold" panose="020B0604020202020204" charset="-52"/>
       <p:regular r:id="rId15"/>
     </p:embeddedFont>
     <p:embeddedFont>
-      <p:font typeface="Open Sans Italics" charset="1" panose="020B0606030504020204"/>
+      <p:font typeface="Montserrat Extra-Bold" panose="020B0604020202020204" charset="-52"/>
       <p:regular r:id="rId16"/>
     </p:embeddedFont>
     <p:embeddedFont>
-      <p:font typeface="Open Sans Bold Italics" charset="1" panose="020B0806030504020204"/>
+      <p:font typeface="Open Sans Light" panose="020B0604020202020204" charset="0"/>
       <p:regular r:id="rId17"/>
     </p:embeddedFont>
     <p:embeddedFont>
-      <p:font typeface="Montserrat Extra-Bold" charset="1" panose="00000900000000000000"/>
+      <p:font typeface="Open Sans" panose="020B0604020202020204" charset="0"/>
       <p:regular r:id="rId18"/>
     </p:embeddedFont>
     <p:embeddedFont>
-      <p:font typeface="Montserrat Extra-Bold Bold" charset="1" panose="00000A00000000000000"/>
+      <p:font typeface="Calibri" panose="020F0502020204030204" pitchFamily="34" charset="0"/>
       <p:regular r:id="rId19"/>
+      <p:bold r:id="rId20"/>
+      <p:italic r:id="rId21"/>
+      <p:boldItalic r:id="rId22"/>
     </p:embeddedFont>
     <p:embeddedFont>
-      <p:font typeface="Montserrat Extra-Bold Italics" charset="1" panose="00000900000000000000"/>
-      <p:regular r:id="rId20"/>
-    </p:embeddedFont>
-    <p:embeddedFont>
-      <p:font typeface="Montserrat Extra-Bold Bold Italics" charset="1" panose="00000A00000000000000"/>
-      <p:regular r:id="rId21"/>
-    </p:embeddedFont>
-    <p:embeddedFont>
-      <p:font typeface="Montserrat Semi-Bold" charset="1" panose="00000700000000000000"/>
-      <p:regular r:id="rId22"/>
-    </p:embeddedFont>
-    <p:embeddedFont>
-      <p:font typeface="Montserrat Semi-Bold Bold" charset="1" panose="00000800000000000000"/>
+      <p:font typeface="Montserrat Semi-Bold" panose="020B0604020202020204" charset="-52"/>
       <p:regular r:id="rId23"/>
     </p:embeddedFont>
     <p:embeddedFont>
-      <p:font typeface="Montserrat Semi-Bold Italics" charset="1" panose="00000700000000000000"/>
+      <p:font typeface="Open Sans Extra Bold" panose="020B0604020202020204" charset="0"/>
       <p:regular r:id="rId24"/>
-    </p:embeddedFont>
-    <p:embeddedFont>
-      <p:font typeface="Montserrat Semi-Bold Bold Italics" charset="1" panose="00000800000000000000"/>
-      <p:regular r:id="rId25"/>
     </p:embeddedFont>
   </p:embeddedFontLst>
   <p:defaultTextStyle>
@@ -195,6 +149,22 @@
       </a:defRPr>
     </a:lvl9pPr>
   </p:defaultTextStyle>
+  <p:extLst>
+    <p:ext uri="{EFAFB233-063F-42B5-8137-9DF3F51BA10A}">
+      <p15:sldGuideLst xmlns:p15="http://schemas.microsoft.com/office/powerpoint/2012/main">
+        <p15:guide id="1" orient="horz" pos="2160">
+          <p15:clr>
+            <a:srgbClr val="A4A3A4"/>
+          </p15:clr>
+        </p15:guide>
+        <p15:guide id="2" pos="2880">
+          <p15:clr>
+            <a:srgbClr val="A4A3A4"/>
+          </p15:clr>
+        </p15:guide>
+      </p15:sldGuideLst>
+    </p:ext>
+  </p:extLst>
 </p:presentation>
 </file>
 
@@ -380,7 +350,7 @@
             <a:fld id="{1D8BD707-D9CF-40AE-B4C6-C98DA3205C09}" type="datetimeFigureOut">
               <a:rPr lang="en-US" smtClean="0"/>
               <a:pPr/>
-              <a:t>8/1/2011</a:t>
+              <a:t>11/7/2021</a:t>
             </a:fld>
             <a:endParaRPr lang="en-US"/>
           </a:p>
@@ -547,7 +517,7 @@
             <a:fld id="{1D8BD707-D9CF-40AE-B4C6-C98DA3205C09}" type="datetimeFigureOut">
               <a:rPr lang="en-US" smtClean="0"/>
               <a:pPr/>
-              <a:t>8/1/2011</a:t>
+              <a:t>11/7/2021</a:t>
             </a:fld>
             <a:endParaRPr lang="en-US"/>
           </a:p>
@@ -724,7 +694,7 @@
             <a:fld id="{1D8BD707-D9CF-40AE-B4C6-C98DA3205C09}" type="datetimeFigureOut">
               <a:rPr lang="en-US" smtClean="0"/>
               <a:pPr/>
-              <a:t>8/1/2011</a:t>
+              <a:t>11/7/2021</a:t>
             </a:fld>
             <a:endParaRPr lang="en-US"/>
           </a:p>
@@ -891,7 +861,7 @@
             <a:fld id="{1D8BD707-D9CF-40AE-B4C6-C98DA3205C09}" type="datetimeFigureOut">
               <a:rPr lang="en-US" smtClean="0"/>
               <a:pPr/>
-              <a:t>8/1/2011</a:t>
+              <a:t>11/7/2021</a:t>
             </a:fld>
             <a:endParaRPr lang="en-US"/>
           </a:p>
@@ -1134,7 +1104,7 @@
             <a:fld id="{1D8BD707-D9CF-40AE-B4C6-C98DA3205C09}" type="datetimeFigureOut">
               <a:rPr lang="en-US" smtClean="0"/>
               <a:pPr/>
-              <a:t>8/1/2011</a:t>
+              <a:t>11/7/2021</a:t>
             </a:fld>
             <a:endParaRPr lang="en-US"/>
           </a:p>
@@ -1419,7 +1389,7 @@
             <a:fld id="{1D8BD707-D9CF-40AE-B4C6-C98DA3205C09}" type="datetimeFigureOut">
               <a:rPr lang="en-US" smtClean="0"/>
               <a:pPr/>
-              <a:t>8/1/2011</a:t>
+              <a:t>11/7/2021</a:t>
             </a:fld>
             <a:endParaRPr lang="en-US"/>
           </a:p>
@@ -1838,7 +1808,7 @@
             <a:fld id="{1D8BD707-D9CF-40AE-B4C6-C98DA3205C09}" type="datetimeFigureOut">
               <a:rPr lang="en-US" smtClean="0"/>
               <a:pPr/>
-              <a:t>8/1/2011</a:t>
+              <a:t>11/7/2021</a:t>
             </a:fld>
             <a:endParaRPr lang="en-US"/>
           </a:p>
@@ -1953,7 +1923,7 @@
             <a:fld id="{1D8BD707-D9CF-40AE-B4C6-C98DA3205C09}" type="datetimeFigureOut">
               <a:rPr lang="en-US" smtClean="0"/>
               <a:pPr/>
-              <a:t>8/1/2011</a:t>
+              <a:t>11/7/2021</a:t>
             </a:fld>
             <a:endParaRPr lang="en-US"/>
           </a:p>
@@ -2045,7 +2015,7 @@
             <a:fld id="{1D8BD707-D9CF-40AE-B4C6-C98DA3205C09}" type="datetimeFigureOut">
               <a:rPr lang="en-US" smtClean="0"/>
               <a:pPr/>
-              <a:t>8/1/2011</a:t>
+              <a:t>11/7/2021</a:t>
             </a:fld>
             <a:endParaRPr lang="en-US"/>
           </a:p>
@@ -2319,7 +2289,7 @@
             <a:fld id="{1D8BD707-D9CF-40AE-B4C6-C98DA3205C09}" type="datetimeFigureOut">
               <a:rPr lang="en-US" smtClean="0"/>
               <a:pPr/>
-              <a:t>8/1/2011</a:t>
+              <a:t>11/7/2021</a:t>
             </a:fld>
             <a:endParaRPr lang="en-US"/>
           </a:p>
@@ -2569,7 +2539,7 @@
             <a:fld id="{1D8BD707-D9CF-40AE-B4C6-C98DA3205C09}" type="datetimeFigureOut">
               <a:rPr lang="en-US" smtClean="0"/>
               <a:pPr/>
-              <a:t>8/1/2011</a:t>
+              <a:t>11/7/2021</a:t>
             </a:fld>
             <a:endParaRPr lang="en-US"/>
           </a:p>
@@ -2779,7 +2749,7 @@
             <a:fld id="{1D8BD707-D9CF-40AE-B4C6-C98DA3205C09}" type="datetimeFigureOut">
               <a:rPr lang="en-US" smtClean="0"/>
               <a:pPr/>
-              <a:t>8/1/2011</a:t>
+              <a:t>11/7/2021</a:t>
             </a:fld>
             <a:endParaRPr lang="en-US"/>
           </a:p>
@@ -3134,13 +3104,14 @@
 </file>
 
 <file path=ppt/slides/slide1.xml><?xml version="1.0" encoding="utf-8"?>
-<p:sld xmlns:p="http://schemas.openxmlformats.org/presentationml/2006/main" xmlns:a="http://schemas.openxmlformats.org/drawingml/2006/main">
+<p:sld xmlns:a="http://schemas.openxmlformats.org/drawingml/2006/main" xmlns:r="http://schemas.openxmlformats.org/officeDocument/2006/relationships" xmlns:p="http://schemas.openxmlformats.org/presentationml/2006/main">
   <p:cSld>
     <p:bg>
       <p:bgPr>
         <a:solidFill>
           <a:srgbClr val="231F1D"/>
         </a:solidFill>
+        <a:effectLst/>
       </p:bgPr>
     </p:bg>
     <p:spTree>
@@ -3159,12 +3130,12 @@
       </p:grpSpPr>
       <p:sp>
         <p:nvSpPr>
-          <p:cNvPr name="AutoShape 2" id="2"/>
+          <p:cNvPr id="2" name="AutoShape 2"/>
           <p:cNvSpPr/>
           <p:nvPr/>
         </p:nvSpPr>
         <p:spPr>
-          <a:xfrm rot="0">
+          <a:xfrm>
             <a:off x="-824814" y="9440562"/>
             <a:ext cx="19937627" cy="1278924"/>
           </a:xfrm>
@@ -3178,12 +3149,12 @@
       </p:sp>
       <p:grpSp>
         <p:nvGrpSpPr>
-          <p:cNvPr name="Group 3" id="3"/>
+          <p:cNvPr id="3" name="Group 3"/>
           <p:cNvGrpSpPr/>
           <p:nvPr/>
         </p:nvGrpSpPr>
         <p:grpSpPr>
-          <a:xfrm rot="0">
+          <a:xfrm>
             <a:off x="2187474" y="1685387"/>
             <a:ext cx="13913052" cy="6099650"/>
             <a:chOff x="0" y="0"/>
@@ -3192,12 +3163,12 @@
         </p:grpSpPr>
         <p:sp>
           <p:nvSpPr>
-            <p:cNvPr name="TextBox 4" id="4"/>
-            <p:cNvSpPr txBox="true"/>
+            <p:cNvPr id="4" name="TextBox 4"/>
+            <p:cNvSpPr txBox="1"/>
             <p:nvPr/>
           </p:nvSpPr>
           <p:spPr>
-            <a:xfrm rot="0">
+            <a:xfrm>
               <a:off x="2187928" y="-67945"/>
               <a:ext cx="14174880" cy="795655"/>
             </a:xfrm>
@@ -3206,7 +3177,7 @@
             </a:prstGeom>
           </p:spPr>
           <p:txBody>
-            <a:bodyPr anchor="t" rtlCol="false" tIns="0" lIns="0" bIns="0" rIns="0">
+            <a:bodyPr lIns="0" tIns="0" rIns="0" bIns="0" rtlCol="0" anchor="t">
               <a:spAutoFit/>
             </a:bodyPr>
             <a:lstStyle/>
@@ -3230,12 +3201,12 @@
         </p:sp>
         <p:sp>
           <p:nvSpPr>
-            <p:cNvPr name="TextBox 5" id="5"/>
-            <p:cNvSpPr txBox="true"/>
+            <p:cNvPr id="5" name="TextBox 5"/>
+            <p:cNvSpPr txBox="1"/>
             <p:nvPr/>
           </p:nvSpPr>
           <p:spPr>
-            <a:xfrm rot="0">
+            <a:xfrm>
               <a:off x="0" y="1498047"/>
               <a:ext cx="18550736" cy="4559300"/>
             </a:xfrm>
@@ -3244,7 +3215,7 @@
             </a:prstGeom>
           </p:spPr>
           <p:txBody>
-            <a:bodyPr anchor="t" rtlCol="false" tIns="0" lIns="0" bIns="0" rIns="0">
+            <a:bodyPr lIns="0" tIns="0" rIns="0" bIns="0" rtlCol="0" anchor="t">
               <a:spAutoFit/>
             </a:bodyPr>
             <a:lstStyle/>
@@ -3284,12 +3255,12 @@
         </p:sp>
         <p:sp>
           <p:nvSpPr>
-            <p:cNvPr name="TextBox 6" id="6"/>
-            <p:cNvSpPr txBox="true"/>
+            <p:cNvPr id="6" name="TextBox 6"/>
+            <p:cNvSpPr txBox="1"/>
             <p:nvPr/>
           </p:nvSpPr>
           <p:spPr>
-            <a:xfrm rot="0">
+            <a:xfrm>
               <a:off x="2167333" y="7466116"/>
               <a:ext cx="14216069" cy="666750"/>
             </a:xfrm>
@@ -3298,7 +3269,7 @@
             </a:prstGeom>
           </p:spPr>
           <p:txBody>
-            <a:bodyPr anchor="t" rtlCol="false" tIns="0" lIns="0" bIns="0" rIns="0">
+            <a:bodyPr lIns="0" tIns="0" rIns="0" bIns="0" rtlCol="0" anchor="t">
               <a:spAutoFit/>
             </a:bodyPr>
             <a:lstStyle/>
@@ -3322,12 +3293,12 @@
         </p:sp>
         <p:sp>
           <p:nvSpPr>
-            <p:cNvPr name="AutoShape 7" id="7"/>
+            <p:cNvPr id="7" name="AutoShape 7"/>
             <p:cNvSpPr/>
             <p:nvPr/>
           </p:nvSpPr>
           <p:spPr>
-            <a:xfrm rot="0">
+            <a:xfrm>
               <a:off x="207568" y="6638607"/>
               <a:ext cx="18135600" cy="152400"/>
             </a:xfrm>
@@ -3345,17 +3316,25 @@
   <p:clrMapOvr>
     <a:masterClrMapping/>
   </p:clrMapOvr>
+  <p:timing>
+    <p:tnLst>
+      <p:par>
+        <p:cTn id="1" dur="indefinite" restart="never" nodeType="tmRoot"/>
+      </p:par>
+    </p:tnLst>
+  </p:timing>
 </p:sld>
 </file>
 
 <file path=ppt/slides/slide10.xml><?xml version="1.0" encoding="utf-8"?>
-<p:sld xmlns:p="http://schemas.openxmlformats.org/presentationml/2006/main" xmlns:a="http://schemas.openxmlformats.org/drawingml/2006/main">
+<p:sld xmlns:a="http://schemas.openxmlformats.org/drawingml/2006/main" xmlns:r="http://schemas.openxmlformats.org/officeDocument/2006/relationships" xmlns:p="http://schemas.openxmlformats.org/presentationml/2006/main">
   <p:cSld>
     <p:bg>
       <p:bgPr>
         <a:solidFill>
           <a:srgbClr val="231F1D"/>
         </a:solidFill>
+        <a:effectLst/>
       </p:bgPr>
     </p:bg>
     <p:spTree>
@@ -3372,15 +3351,133 @@
           <a:chExt cx="0" cy="0"/>
         </a:xfrm>
       </p:grpSpPr>
+      <p:sp>
+        <p:nvSpPr>
+          <p:cNvPr id="2" name="AutoShape 2"/>
+          <p:cNvSpPr/>
+          <p:nvPr/>
+        </p:nvSpPr>
+        <p:spPr>
+          <a:xfrm>
+            <a:off x="426308" y="-531341"/>
+            <a:ext cx="74141" cy="11349681"/>
+          </a:xfrm>
+          <a:prstGeom prst="rect">
+            <a:avLst/>
+          </a:prstGeom>
+          <a:solidFill>
+            <a:srgbClr val="40C6CC"/>
+          </a:solidFill>
+        </p:spPr>
+      </p:sp>
+      <p:sp>
+        <p:nvSpPr>
+          <p:cNvPr id="3" name="AutoShape 3"/>
+          <p:cNvSpPr/>
+          <p:nvPr/>
+        </p:nvSpPr>
+        <p:spPr>
+          <a:xfrm>
+            <a:off x="-824814" y="9440562"/>
+            <a:ext cx="19937627" cy="1278924"/>
+          </a:xfrm>
+          <a:prstGeom prst="rect">
+            <a:avLst/>
+          </a:prstGeom>
+          <a:solidFill>
+            <a:srgbClr val="40C6CC"/>
+          </a:solidFill>
+        </p:spPr>
+      </p:sp>
       <p:grpSp>
         <p:nvGrpSpPr>
-          <p:cNvPr name="Group 2" id="2"/>
+          <p:cNvPr id="4" name="Group 4"/>
           <p:cNvGrpSpPr/>
           <p:nvPr/>
         </p:nvGrpSpPr>
         <p:grpSpPr>
-          <a:xfrm rot="0">
-            <a:off x="1634469" y="3059185"/>
+          <a:xfrm>
+            <a:off x="8909451" y="1123591"/>
+            <a:ext cx="9103528" cy="6981190"/>
+            <a:chOff x="0" y="0"/>
+            <a:chExt cx="2495728" cy="1913890"/>
+          </a:xfrm>
+        </p:grpSpPr>
+        <p:sp>
+          <p:nvSpPr>
+            <p:cNvPr id="5" name="Freeform 5"/>
+            <p:cNvSpPr/>
+            <p:nvPr/>
+          </p:nvSpPr>
+          <p:spPr>
+            <a:xfrm>
+              <a:off x="0" y="0"/>
+              <a:ext cx="2495728" cy="1913890"/>
+            </a:xfrm>
+            <a:custGeom>
+              <a:avLst/>
+              <a:gdLst/>
+              <a:ahLst/>
+              <a:cxnLst/>
+              <a:rect l="l" t="t" r="r" b="b"/>
+              <a:pathLst>
+                <a:path w="2495728" h="1913890">
+                  <a:moveTo>
+                    <a:pt x="0" y="0"/>
+                  </a:moveTo>
+                  <a:lnTo>
+                    <a:pt x="2495728" y="0"/>
+                  </a:lnTo>
+                  <a:lnTo>
+                    <a:pt x="2495728" y="1913890"/>
+                  </a:lnTo>
+                  <a:lnTo>
+                    <a:pt x="0" y="1913890"/>
+                  </a:lnTo>
+                  <a:close/>
+                </a:path>
+              </a:pathLst>
+            </a:custGeom>
+            <a:solidFill>
+              <a:srgbClr val="40C6CC"/>
+            </a:solidFill>
+          </p:spPr>
+        </p:sp>
+      </p:grpSp>
+      <p:pic>
+        <p:nvPicPr>
+          <p:cNvPr id="6" name="Picture 6"/>
+          <p:cNvPicPr>
+            <a:picLocks noChangeAspect="1"/>
+          </p:cNvPicPr>
+          <p:nvPr/>
+        </p:nvPicPr>
+        <p:blipFill>
+          <a:blip r:embed="rId2"/>
+          <a:srcRect/>
+          <a:stretch>
+            <a:fillRect/>
+          </a:stretch>
+        </p:blipFill>
+        <p:spPr>
+          <a:xfrm>
+            <a:off x="9163879" y="1391184"/>
+            <a:ext cx="8594671" cy="6446003"/>
+          </a:xfrm>
+          <a:prstGeom prst="rect">
+            <a:avLst/>
+          </a:prstGeom>
+        </p:spPr>
+      </p:pic>
+      <p:grpSp>
+        <p:nvGrpSpPr>
+          <p:cNvPr id="7" name="Group 7"/>
+          <p:cNvGrpSpPr/>
+          <p:nvPr/>
+        </p:nvGrpSpPr>
+        <p:grpSpPr>
+          <a:xfrm>
+            <a:off x="1028700" y="3084154"/>
             <a:ext cx="7509531" cy="3597665"/>
             <a:chOff x="0" y="0"/>
             <a:chExt cx="10012708" cy="4796887"/>
@@ -3388,12 +3485,12 @@
         </p:grpSpPr>
         <p:sp>
           <p:nvSpPr>
-            <p:cNvPr name="TextBox 3" id="3"/>
-            <p:cNvSpPr txBox="true"/>
+            <p:cNvPr id="8" name="TextBox 8"/>
+            <p:cNvSpPr txBox="1"/>
             <p:nvPr/>
           </p:nvSpPr>
           <p:spPr>
-            <a:xfrm rot="0">
+            <a:xfrm>
               <a:off x="0" y="4459865"/>
               <a:ext cx="8821768" cy="662517"/>
             </a:xfrm>
@@ -3402,7 +3499,7 @@
             </a:prstGeom>
           </p:spPr>
           <p:txBody>
-            <a:bodyPr anchor="t" rtlCol="false" tIns="0" lIns="0" bIns="0" rIns="0">
+            <a:bodyPr lIns="0" tIns="0" rIns="0" bIns="0" rtlCol="0" anchor="t">
               <a:spAutoFit/>
             </a:bodyPr>
             <a:lstStyle/>
@@ -3426,12 +3523,12 @@
         </p:sp>
         <p:sp>
           <p:nvSpPr>
-            <p:cNvPr name="TextBox 4" id="4"/>
-            <p:cNvSpPr txBox="true"/>
+            <p:cNvPr id="9" name="TextBox 9"/>
+            <p:cNvSpPr txBox="1"/>
             <p:nvPr/>
           </p:nvSpPr>
           <p:spPr>
-            <a:xfrm rot="0">
+            <a:xfrm>
               <a:off x="0" y="38100"/>
               <a:ext cx="10012708" cy="2712932"/>
             </a:xfrm>
@@ -3440,7 +3537,7 @@
             </a:prstGeom>
           </p:spPr>
           <p:txBody>
-            <a:bodyPr anchor="t" rtlCol="false" tIns="0" lIns="0" bIns="0" rIns="0">
+            <a:bodyPr lIns="0" tIns="0" rIns="0" bIns="0" rtlCol="0" anchor="t">
               <a:spAutoFit/>
             </a:bodyPr>
             <a:lstStyle/>
@@ -3463,98 +3560,30 @@
           </p:txBody>
         </p:sp>
       </p:grpSp>
-      <p:sp>
-        <p:nvSpPr>
-          <p:cNvPr name="TextBox 5" id="5"/>
-          <p:cNvSpPr txBox="true"/>
-          <p:nvPr/>
-        </p:nvSpPr>
-        <p:spPr>
-          <a:xfrm rot="0">
-            <a:off x="9497519" y="2992510"/>
-            <a:ext cx="7337313" cy="4227195"/>
-          </a:xfrm>
-          <a:prstGeom prst="rect">
-            <a:avLst/>
-          </a:prstGeom>
-        </p:spPr>
-        <p:txBody>
-          <a:bodyPr anchor="t" rtlCol="false" tIns="0" lIns="0" bIns="0" rIns="0">
-            <a:spAutoFit/>
-          </a:bodyPr>
-          <a:lstStyle/>
-          <a:p>
-            <a:pPr algn="l" marL="0" indent="0" lvl="0">
-              <a:lnSpc>
-                <a:spcPts val="4199"/>
-              </a:lnSpc>
-            </a:pPr>
-            <a:r>
-              <a:rPr lang="en-US" sz="2799" spc="139">
-                <a:solidFill>
-                  <a:srgbClr val="F7F9F8"/>
-                </a:solidFill>
-                <a:latin typeface="Montserrat Semi-Bold"/>
-              </a:rPr>
-              <a:t>Вы можете закончить игру и сохранить результат, который будет сравниваться с остальными. Так же вы сможете соревноввться с самим собой, побивая свои рекорды. Рекорды сравниваются по количеству ходов и по воемени прохождентя игры</a:t>
-            </a:r>
-          </a:p>
-        </p:txBody>
-      </p:sp>
-      <p:sp>
-        <p:nvSpPr>
-          <p:cNvPr name="AutoShape 6" id="6"/>
-          <p:cNvSpPr/>
-          <p:nvPr/>
-        </p:nvSpPr>
-        <p:spPr>
-          <a:xfrm rot="0">
-            <a:off x="426308" y="-531341"/>
-            <a:ext cx="74141" cy="11349681"/>
-          </a:xfrm>
-          <a:prstGeom prst="rect">
-            <a:avLst/>
-          </a:prstGeom>
-          <a:solidFill>
-            <a:srgbClr val="40C6CC"/>
-          </a:solidFill>
-        </p:spPr>
-      </p:sp>
-      <p:sp>
-        <p:nvSpPr>
-          <p:cNvPr name="AutoShape 7" id="7"/>
-          <p:cNvSpPr/>
-          <p:nvPr/>
-        </p:nvSpPr>
-        <p:spPr>
-          <a:xfrm rot="0">
-            <a:off x="-824814" y="9440562"/>
-            <a:ext cx="19937627" cy="1278924"/>
-          </a:xfrm>
-          <a:prstGeom prst="rect">
-            <a:avLst/>
-          </a:prstGeom>
-          <a:solidFill>
-            <a:srgbClr val="40C6CC"/>
-          </a:solidFill>
-        </p:spPr>
-      </p:sp>
     </p:spTree>
   </p:cSld>
   <p:clrMapOvr>
     <a:masterClrMapping/>
   </p:clrMapOvr>
+  <p:timing>
+    <p:tnLst>
+      <p:par>
+        <p:cTn id="1" dur="indefinite" restart="never" nodeType="tmRoot"/>
+      </p:par>
+    </p:tnLst>
+  </p:timing>
 </p:sld>
 </file>
 
-<file path=ppt/slides/slide2.xml><?xml version="1.0" encoding="utf-8"?>
-<p:sld xmlns:p="http://schemas.openxmlformats.org/presentationml/2006/main" xmlns:a="http://schemas.openxmlformats.org/drawingml/2006/main" xmlns:r="http://schemas.openxmlformats.org/officeDocument/2006/relationships">
+<file path=ppt/slides/slide11.xml><?xml version="1.0" encoding="utf-8"?>
+<p:sld xmlns:a="http://schemas.openxmlformats.org/drawingml/2006/main" xmlns:r="http://schemas.openxmlformats.org/officeDocument/2006/relationships" xmlns:p="http://schemas.openxmlformats.org/presentationml/2006/main">
   <p:cSld>
     <p:bg>
       <p:bgPr>
         <a:solidFill>
           <a:srgbClr val="231F1D"/>
         </a:solidFill>
+        <a:effectLst/>
       </p:bgPr>
     </p:bg>
     <p:spTree>
@@ -3571,15 +3600,734 @@
           <a:chExt cx="0" cy="0"/>
         </a:xfrm>
       </p:grpSpPr>
-      <p:sp>
-        <p:nvSpPr>
-          <p:cNvPr name="AutoShape 2" id="2"/>
+      <p:grpSp>
+        <p:nvGrpSpPr>
+          <p:cNvPr id="2" name="Group 2"/>
+          <p:cNvGrpSpPr/>
+          <p:nvPr/>
+        </p:nvGrpSpPr>
+        <p:grpSpPr>
+          <a:xfrm>
+            <a:off x="5052303" y="0"/>
+            <a:ext cx="5657850" cy="10287000"/>
+            <a:chOff x="0" y="0"/>
+            <a:chExt cx="1913890" cy="3479800"/>
+          </a:xfrm>
+        </p:grpSpPr>
+        <p:sp>
+          <p:nvSpPr>
+            <p:cNvPr id="3" name="Freeform 3"/>
+            <p:cNvSpPr/>
+            <p:nvPr/>
+          </p:nvSpPr>
+          <p:spPr>
+            <a:xfrm>
+              <a:off x="0" y="0"/>
+              <a:ext cx="1913890" cy="3479800"/>
+            </a:xfrm>
+            <a:custGeom>
+              <a:avLst/>
+              <a:gdLst/>
+              <a:ahLst/>
+              <a:cxnLst/>
+              <a:rect l="l" t="t" r="r" b="b"/>
+              <a:pathLst>
+                <a:path w="1913890" h="3479800">
+                  <a:moveTo>
+                    <a:pt x="0" y="0"/>
+                  </a:moveTo>
+                  <a:lnTo>
+                    <a:pt x="1913890" y="0"/>
+                  </a:lnTo>
+                  <a:lnTo>
+                    <a:pt x="1913890" y="3479800"/>
+                  </a:lnTo>
+                  <a:lnTo>
+                    <a:pt x="0" y="3479800"/>
+                  </a:lnTo>
+                  <a:close/>
+                </a:path>
+              </a:pathLst>
+            </a:custGeom>
+            <a:solidFill>
+              <a:srgbClr val="40C6CC"/>
+            </a:solidFill>
+          </p:spPr>
+        </p:sp>
+      </p:grpSp>
+      <p:pic>
+        <p:nvPicPr>
+          <p:cNvPr id="4" name="Picture 4"/>
+          <p:cNvPicPr>
+            <a:picLocks noChangeAspect="1"/>
+          </p:cNvPicPr>
+          <p:nvPr/>
+        </p:nvPicPr>
+        <p:blipFill>
+          <a:blip r:embed="rId2"/>
+          <a:srcRect/>
+          <a:stretch>
+            <a:fillRect/>
+          </a:stretch>
+        </p:blipFill>
+        <p:spPr>
+          <a:xfrm>
+            <a:off x="0" y="0"/>
+            <a:ext cx="10104606" cy="10287000"/>
+          </a:xfrm>
+          <a:prstGeom prst="rect">
+            <a:avLst/>
+          </a:prstGeom>
+        </p:spPr>
+      </p:pic>
+      <p:sp>
+        <p:nvSpPr>
+          <p:cNvPr id="5" name="TextBox 5"/>
+          <p:cNvSpPr txBox="1"/>
+          <p:nvPr/>
+        </p:nvSpPr>
+        <p:spPr>
+          <a:xfrm>
+            <a:off x="10710153" y="1973550"/>
+            <a:ext cx="7577847" cy="5906770"/>
+          </a:xfrm>
+          <a:prstGeom prst="rect">
+            <a:avLst/>
+          </a:prstGeom>
+        </p:spPr>
+        <p:txBody>
+          <a:bodyPr lIns="0" tIns="0" rIns="0" bIns="0" rtlCol="0" anchor="t">
+            <a:spAutoFit/>
+          </a:bodyPr>
+          <a:lstStyle/>
+          <a:p>
+            <a:pPr algn="ctr">
+              <a:lnSpc>
+                <a:spcPts val="9379"/>
+              </a:lnSpc>
+            </a:pPr>
+            <a:r>
+              <a:rPr lang="en-US" sz="6699">
+                <a:solidFill>
+                  <a:srgbClr val="FFFFFF"/>
+                </a:solidFill>
+                <a:latin typeface="Montserrat Semi-Bold"/>
+              </a:rPr>
+              <a:t>Можно соревноваться</a:t>
+            </a:r>
+          </a:p>
+          <a:p>
+            <a:pPr algn="ctr">
+              <a:lnSpc>
+                <a:spcPts val="9379"/>
+              </a:lnSpc>
+            </a:pPr>
+            <a:r>
+              <a:rPr lang="en-US" sz="6699">
+                <a:solidFill>
+                  <a:srgbClr val="FFFFFF"/>
+                </a:solidFill>
+                <a:latin typeface="Montserrat Semi-Bold"/>
+              </a:rPr>
+              <a:t> на одной и той</a:t>
+            </a:r>
+          </a:p>
+          <a:p>
+            <a:pPr algn="ctr">
+              <a:lnSpc>
+                <a:spcPts val="9379"/>
+              </a:lnSpc>
+            </a:pPr>
+            <a:r>
+              <a:rPr lang="en-US" sz="6699">
+                <a:solidFill>
+                  <a:srgbClr val="FFFFFF"/>
+                </a:solidFill>
+                <a:latin typeface="Montserrat Semi-Bold"/>
+              </a:rPr>
+              <a:t> же карте, копируя ключ</a:t>
+            </a:r>
+          </a:p>
+        </p:txBody>
+      </p:sp>
+    </p:spTree>
+  </p:cSld>
+  <p:clrMapOvr>
+    <a:masterClrMapping/>
+  </p:clrMapOvr>
+  <p:timing>
+    <p:tnLst>
+      <p:par>
+        <p:cTn id="1" dur="indefinite" restart="never" nodeType="tmRoot"/>
+      </p:par>
+    </p:tnLst>
+  </p:timing>
+</p:sld>
+</file>
+
+<file path=ppt/slides/slide12.xml><?xml version="1.0" encoding="utf-8"?>
+<p:sld xmlns:a="http://schemas.openxmlformats.org/drawingml/2006/main" xmlns:r="http://schemas.openxmlformats.org/officeDocument/2006/relationships" xmlns:p="http://schemas.openxmlformats.org/presentationml/2006/main">
+  <p:cSld>
+    <p:bg>
+      <p:bgPr>
+        <a:solidFill>
+          <a:srgbClr val="231F1D"/>
+        </a:solidFill>
+        <a:effectLst/>
+      </p:bgPr>
+    </p:bg>
+    <p:spTree>
+      <p:nvGrpSpPr>
+        <p:cNvPr id="1" name=""/>
+        <p:cNvGrpSpPr/>
+        <p:nvPr/>
+      </p:nvGrpSpPr>
+      <p:grpSpPr>
+        <a:xfrm>
+          <a:off x="0" y="0"/>
+          <a:ext cx="0" cy="0"/>
+          <a:chOff x="0" y="0"/>
+          <a:chExt cx="0" cy="0"/>
+        </a:xfrm>
+      </p:grpSpPr>
+      <p:pic>
+        <p:nvPicPr>
+          <p:cNvPr id="2" name="Picture 2"/>
+          <p:cNvPicPr>
+            <a:picLocks noChangeAspect="1"/>
+          </p:cNvPicPr>
+          <p:nvPr/>
+        </p:nvPicPr>
+        <p:blipFill>
+          <a:blip r:embed="rId2"/>
+          <a:srcRect/>
+          <a:stretch>
+            <a:fillRect/>
+          </a:stretch>
+        </p:blipFill>
+        <p:spPr>
+          <a:xfrm>
+            <a:off x="1028700" y="4671665"/>
+            <a:ext cx="1425663" cy="1425663"/>
+          </a:xfrm>
+          <a:prstGeom prst="rect">
+            <a:avLst/>
+          </a:prstGeom>
+        </p:spPr>
+      </p:pic>
+      <p:pic>
+        <p:nvPicPr>
+          <p:cNvPr id="3" name="Picture 3"/>
+          <p:cNvPicPr>
+            <a:picLocks noChangeAspect="1"/>
+          </p:cNvPicPr>
+          <p:nvPr/>
+        </p:nvPicPr>
+        <p:blipFill>
+          <a:blip r:embed="rId2"/>
+          <a:srcRect/>
+          <a:stretch>
+            <a:fillRect/>
+          </a:stretch>
+        </p:blipFill>
+        <p:spPr>
+          <a:xfrm>
+            <a:off x="2778956" y="4671665"/>
+            <a:ext cx="1425663" cy="1425663"/>
+          </a:xfrm>
+          <a:prstGeom prst="rect">
+            <a:avLst/>
+          </a:prstGeom>
+        </p:spPr>
+      </p:pic>
+      <p:pic>
+        <p:nvPicPr>
+          <p:cNvPr id="4" name="Picture 4"/>
+          <p:cNvPicPr>
+            <a:picLocks noChangeAspect="1"/>
+          </p:cNvPicPr>
+          <p:nvPr/>
+        </p:nvPicPr>
+        <p:blipFill>
+          <a:blip r:embed="rId3"/>
+          <a:srcRect/>
+          <a:stretch>
+            <a:fillRect/>
+          </a:stretch>
+        </p:blipFill>
+        <p:spPr>
+          <a:xfrm>
+            <a:off x="4529212" y="4671665"/>
+            <a:ext cx="1425663" cy="1425663"/>
+          </a:xfrm>
+          <a:prstGeom prst="rect">
+            <a:avLst/>
+          </a:prstGeom>
+        </p:spPr>
+      </p:pic>
+      <p:pic>
+        <p:nvPicPr>
+          <p:cNvPr id="5" name="Picture 5"/>
+          <p:cNvPicPr>
+            <a:picLocks noChangeAspect="1"/>
+          </p:cNvPicPr>
+          <p:nvPr/>
+        </p:nvPicPr>
+        <p:blipFill>
+          <a:blip r:embed="rId3"/>
+          <a:srcRect/>
+          <a:stretch>
+            <a:fillRect/>
+          </a:stretch>
+        </p:blipFill>
+        <p:spPr>
+          <a:xfrm>
+            <a:off x="6279468" y="4671665"/>
+            <a:ext cx="1425663" cy="1425663"/>
+          </a:xfrm>
+          <a:prstGeom prst="rect">
+            <a:avLst/>
+          </a:prstGeom>
+        </p:spPr>
+      </p:pic>
+      <p:pic>
+        <p:nvPicPr>
+          <p:cNvPr id="6" name="Picture 6"/>
+          <p:cNvPicPr>
+            <a:picLocks noChangeAspect="1"/>
+          </p:cNvPicPr>
+          <p:nvPr/>
+        </p:nvPicPr>
+        <p:blipFill>
+          <a:blip r:embed="rId4"/>
+          <a:srcRect/>
+          <a:stretch>
+            <a:fillRect/>
+          </a:stretch>
+        </p:blipFill>
+        <p:spPr>
+          <a:xfrm>
+            <a:off x="8029724" y="4669551"/>
+            <a:ext cx="1425663" cy="1425663"/>
+          </a:xfrm>
+          <a:prstGeom prst="rect">
+            <a:avLst/>
+          </a:prstGeom>
+        </p:spPr>
+      </p:pic>
+      <p:pic>
+        <p:nvPicPr>
+          <p:cNvPr id="7" name="Picture 7"/>
+          <p:cNvPicPr>
+            <a:picLocks noChangeAspect="1"/>
+          </p:cNvPicPr>
+          <p:nvPr/>
+        </p:nvPicPr>
+        <p:blipFill>
+          <a:blip r:embed="rId5"/>
+          <a:srcRect/>
+          <a:stretch>
+            <a:fillRect/>
+          </a:stretch>
+        </p:blipFill>
+        <p:spPr>
+          <a:xfrm>
+            <a:off x="9755012" y="4671665"/>
+            <a:ext cx="1425663" cy="1425663"/>
+          </a:xfrm>
+          <a:prstGeom prst="rect">
+            <a:avLst/>
+          </a:prstGeom>
+        </p:spPr>
+      </p:pic>
+      <p:pic>
+        <p:nvPicPr>
+          <p:cNvPr id="8" name="Picture 8"/>
+          <p:cNvPicPr>
+            <a:picLocks noChangeAspect="1"/>
+          </p:cNvPicPr>
+          <p:nvPr/>
+        </p:nvPicPr>
+        <p:blipFill>
+          <a:blip r:embed="rId4"/>
+          <a:srcRect/>
+          <a:stretch>
+            <a:fillRect/>
+          </a:stretch>
+        </p:blipFill>
+        <p:spPr>
+          <a:xfrm>
+            <a:off x="11480299" y="4671665"/>
+            <a:ext cx="1425663" cy="1425663"/>
+          </a:xfrm>
+          <a:prstGeom prst="rect">
+            <a:avLst/>
+          </a:prstGeom>
+        </p:spPr>
+      </p:pic>
+      <p:pic>
+        <p:nvPicPr>
+          <p:cNvPr id="9" name="Picture 9"/>
+          <p:cNvPicPr>
+            <a:picLocks noChangeAspect="1"/>
+          </p:cNvPicPr>
+          <p:nvPr/>
+        </p:nvPicPr>
+        <p:blipFill>
+          <a:blip r:embed="rId5"/>
+          <a:srcRect/>
+          <a:stretch>
+            <a:fillRect/>
+          </a:stretch>
+        </p:blipFill>
+        <p:spPr>
+          <a:xfrm>
+            <a:off x="13246522" y="4671665"/>
+            <a:ext cx="1425663" cy="1425663"/>
+          </a:xfrm>
+          <a:prstGeom prst="rect">
+            <a:avLst/>
+          </a:prstGeom>
+        </p:spPr>
+      </p:pic>
+      <p:sp>
+        <p:nvSpPr>
+          <p:cNvPr id="10" name="TextBox 10"/>
+          <p:cNvSpPr txBox="1"/>
+          <p:nvPr/>
+        </p:nvSpPr>
+        <p:spPr>
+          <a:xfrm>
+            <a:off x="426131" y="739619"/>
+            <a:ext cx="17435738" cy="2095500"/>
+          </a:xfrm>
+          <a:prstGeom prst="rect">
+            <a:avLst/>
+          </a:prstGeom>
+        </p:spPr>
+        <p:txBody>
+          <a:bodyPr lIns="0" tIns="0" rIns="0" bIns="0" rtlCol="0" anchor="t">
+            <a:spAutoFit/>
+          </a:bodyPr>
+          <a:lstStyle/>
+          <a:p>
+            <a:pPr algn="ctr">
+              <a:lnSpc>
+                <a:spcPts val="8400"/>
+              </a:lnSpc>
+            </a:pPr>
+            <a:r>
+              <a:rPr lang="en-US" sz="6000">
+                <a:solidFill>
+                  <a:srgbClr val="FFFFFF"/>
+                </a:solidFill>
+                <a:latin typeface="Montserrat Semi-Bold"/>
+              </a:rPr>
+              <a:t>Так же в игре присутствует пасхалка в виде konami кода</a:t>
+            </a:r>
+          </a:p>
+        </p:txBody>
+      </p:sp>
+      <p:sp>
+        <p:nvSpPr>
+          <p:cNvPr id="11" name="TextBox 11"/>
+          <p:cNvSpPr txBox="1"/>
+          <p:nvPr/>
+        </p:nvSpPr>
+        <p:spPr>
+          <a:xfrm>
+            <a:off x="14859000" y="4490690"/>
+            <a:ext cx="2400300" cy="1679947"/>
+          </a:xfrm>
+          <a:prstGeom prst="rect">
+            <a:avLst/>
+          </a:prstGeom>
+        </p:spPr>
+        <p:txBody>
+          <a:bodyPr wrap="square" lIns="0" tIns="0" rIns="0" bIns="0" rtlCol="0" anchor="t">
+            <a:spAutoFit/>
+          </a:bodyPr>
+          <a:lstStyle/>
+          <a:p>
+            <a:pPr algn="ctr">
+              <a:lnSpc>
+                <a:spcPts val="13096"/>
+              </a:lnSpc>
+            </a:pPr>
+            <a:r>
+              <a:rPr lang="en-US" sz="9354" dirty="0">
+                <a:solidFill>
+                  <a:srgbClr val="00D8DF"/>
+                </a:solidFill>
+                <a:latin typeface="Open Sans Extra Bold"/>
+              </a:rPr>
+              <a:t>B A</a:t>
+            </a:r>
+          </a:p>
+        </p:txBody>
+      </p:sp>
+      <p:sp>
+        <p:nvSpPr>
+          <p:cNvPr id="12" name="TextBox 12"/>
+          <p:cNvSpPr txBox="1"/>
+          <p:nvPr/>
+        </p:nvSpPr>
+        <p:spPr>
+          <a:xfrm>
+            <a:off x="811053" y="7596457"/>
+            <a:ext cx="16665893" cy="784226"/>
+          </a:xfrm>
+          <a:prstGeom prst="rect">
+            <a:avLst/>
+          </a:prstGeom>
+        </p:spPr>
+        <p:txBody>
+          <a:bodyPr lIns="0" tIns="0" rIns="0" bIns="0" rtlCol="0" anchor="t">
+            <a:spAutoFit/>
+          </a:bodyPr>
+          <a:lstStyle/>
+          <a:p>
+            <a:pPr algn="ctr">
+              <a:lnSpc>
+                <a:spcPts val="6439"/>
+              </a:lnSpc>
+            </a:pPr>
+            <a:r>
+              <a:rPr lang="en-US" sz="4599">
+                <a:solidFill>
+                  <a:srgbClr val="00D8DF"/>
+                </a:solidFill>
+                <a:latin typeface="Montserrat Semi-Bold"/>
+              </a:rPr>
+              <a:t>хоть вы и не побьете рекорды, но зато повеселитесь</a:t>
+            </a:r>
+          </a:p>
+        </p:txBody>
+      </p:sp>
+    </p:spTree>
+  </p:cSld>
+  <p:clrMapOvr>
+    <a:masterClrMapping/>
+  </p:clrMapOvr>
+  <p:timing>
+    <p:tnLst>
+      <p:par>
+        <p:cTn id="1" dur="indefinite" restart="never" nodeType="tmRoot"/>
+      </p:par>
+    </p:tnLst>
+  </p:timing>
+</p:sld>
+</file>
+
+<file path=ppt/slides/slide13.xml><?xml version="1.0" encoding="utf-8"?>
+<p:sld xmlns:a="http://schemas.openxmlformats.org/drawingml/2006/main" xmlns:r="http://schemas.openxmlformats.org/officeDocument/2006/relationships" xmlns:p="http://schemas.openxmlformats.org/presentationml/2006/main">
+  <p:cSld>
+    <p:bg>
+      <p:bgPr>
+        <a:solidFill>
+          <a:srgbClr val="231F1D"/>
+        </a:solidFill>
+        <a:effectLst/>
+      </p:bgPr>
+    </p:bg>
+    <p:spTree>
+      <p:nvGrpSpPr>
+        <p:cNvPr id="1" name=""/>
+        <p:cNvGrpSpPr/>
+        <p:nvPr/>
+      </p:nvGrpSpPr>
+      <p:grpSpPr>
+        <a:xfrm>
+          <a:off x="0" y="0"/>
+          <a:ext cx="0" cy="0"/>
+          <a:chOff x="0" y="0"/>
+          <a:chExt cx="0" cy="0"/>
+        </a:xfrm>
+      </p:grpSpPr>
+      <p:grpSp>
+        <p:nvGrpSpPr>
+          <p:cNvPr id="2" name="Group 2"/>
+          <p:cNvGrpSpPr/>
+          <p:nvPr/>
+        </p:nvGrpSpPr>
+        <p:grpSpPr>
+          <a:xfrm>
+            <a:off x="0" y="2264638"/>
+            <a:ext cx="18288000" cy="5757725"/>
+            <a:chOff x="0" y="0"/>
+            <a:chExt cx="6186311" cy="1947675"/>
+          </a:xfrm>
+        </p:grpSpPr>
+        <p:sp>
+          <p:nvSpPr>
+            <p:cNvPr id="3" name="Freeform 3"/>
+            <p:cNvSpPr/>
+            <p:nvPr/>
+          </p:nvSpPr>
+          <p:spPr>
+            <a:xfrm>
+              <a:off x="0" y="0"/>
+              <a:ext cx="6186311" cy="1947675"/>
+            </a:xfrm>
+            <a:custGeom>
+              <a:avLst/>
+              <a:gdLst/>
+              <a:ahLst/>
+              <a:cxnLst/>
+              <a:rect l="l" t="t" r="r" b="b"/>
+              <a:pathLst>
+                <a:path w="6186311" h="1947675">
+                  <a:moveTo>
+                    <a:pt x="0" y="0"/>
+                  </a:moveTo>
+                  <a:lnTo>
+                    <a:pt x="6186311" y="0"/>
+                  </a:lnTo>
+                  <a:lnTo>
+                    <a:pt x="6186311" y="1947675"/>
+                  </a:lnTo>
+                  <a:lnTo>
+                    <a:pt x="0" y="1947675"/>
+                  </a:lnTo>
+                  <a:close/>
+                </a:path>
+              </a:pathLst>
+            </a:custGeom>
+            <a:solidFill>
+              <a:srgbClr val="40C6CC"/>
+            </a:solidFill>
+          </p:spPr>
+        </p:sp>
+      </p:grpSp>
+      <p:sp>
+        <p:nvSpPr>
+          <p:cNvPr id="4" name="TextBox 4"/>
+          <p:cNvSpPr txBox="1"/>
+          <p:nvPr/>
+        </p:nvSpPr>
+        <p:spPr>
+          <a:xfrm>
+            <a:off x="0" y="4201795"/>
+            <a:ext cx="18288000" cy="1795363"/>
+          </a:xfrm>
+          <a:prstGeom prst="rect">
+            <a:avLst/>
+          </a:prstGeom>
+        </p:spPr>
+        <p:txBody>
+          <a:bodyPr wrap="square" lIns="0" tIns="0" rIns="0" bIns="0" rtlCol="0" anchor="t">
+            <a:spAutoFit/>
+          </a:bodyPr>
+          <a:lstStyle/>
+          <a:p>
+            <a:pPr algn="ctr">
+              <a:lnSpc>
+                <a:spcPts val="13999"/>
+              </a:lnSpc>
+            </a:pPr>
+            <a:r>
+              <a:rPr lang="en-US" sz="9999" dirty="0" err="1">
+                <a:solidFill>
+                  <a:srgbClr val="000000"/>
+                </a:solidFill>
+                <a:latin typeface="Montserrat Extra-Bold"/>
+              </a:rPr>
+              <a:t>Спасибо</a:t>
+            </a:r>
+            <a:r>
+              <a:rPr lang="en-US" sz="9999" dirty="0">
+                <a:solidFill>
+                  <a:srgbClr val="000000"/>
+                </a:solidFill>
+                <a:latin typeface="Montserrat Extra-Bold"/>
+              </a:rPr>
+              <a:t> </a:t>
+            </a:r>
+            <a:r>
+              <a:rPr lang="en-US" sz="9999" dirty="0" err="1" smtClean="0">
+                <a:solidFill>
+                  <a:srgbClr val="000000"/>
+                </a:solidFill>
+                <a:latin typeface="Montserrat Extra-Bold"/>
+              </a:rPr>
+              <a:t>за</a:t>
+            </a:r>
+            <a:r>
+              <a:rPr lang="ru-RU" sz="9999" dirty="0">
+                <a:solidFill>
+                  <a:srgbClr val="000000"/>
+                </a:solidFill>
+                <a:latin typeface="Montserrat Extra-Bold"/>
+              </a:rPr>
+              <a:t> </a:t>
+            </a:r>
+            <a:r>
+              <a:rPr lang="en-US" sz="9999" dirty="0" err="1" smtClean="0">
+                <a:solidFill>
+                  <a:srgbClr val="000000"/>
+                </a:solidFill>
+                <a:latin typeface="Montserrat Extra-Bold"/>
+              </a:rPr>
+              <a:t>внимание</a:t>
+            </a:r>
+            <a:endParaRPr lang="en-US" sz="9999" dirty="0">
+              <a:solidFill>
+                <a:srgbClr val="000000"/>
+              </a:solidFill>
+              <a:latin typeface="Montserrat Extra-Bold"/>
+            </a:endParaRPr>
+          </a:p>
+        </p:txBody>
+      </p:sp>
+    </p:spTree>
+  </p:cSld>
+  <p:clrMapOvr>
+    <a:masterClrMapping/>
+  </p:clrMapOvr>
+  <p:timing>
+    <p:tnLst>
+      <p:par>
+        <p:cTn id="1" dur="indefinite" restart="never" nodeType="tmRoot"/>
+      </p:par>
+    </p:tnLst>
+  </p:timing>
+</p:sld>
+</file>
+
+<file path=ppt/slides/slide2.xml><?xml version="1.0" encoding="utf-8"?>
+<p:sld xmlns:a="http://schemas.openxmlformats.org/drawingml/2006/main" xmlns:r="http://schemas.openxmlformats.org/officeDocument/2006/relationships" xmlns:p="http://schemas.openxmlformats.org/presentationml/2006/main">
+  <p:cSld>
+    <p:bg>
+      <p:bgPr>
+        <a:solidFill>
+          <a:srgbClr val="231F1D"/>
+        </a:solidFill>
+        <a:effectLst/>
+      </p:bgPr>
+    </p:bg>
+    <p:spTree>
+      <p:nvGrpSpPr>
+        <p:cNvPr id="1" name=""/>
+        <p:cNvGrpSpPr/>
+        <p:nvPr/>
+      </p:nvGrpSpPr>
+      <p:grpSpPr>
+        <a:xfrm>
+          <a:off x="0" y="0"/>
+          <a:ext cx="0" cy="0"/>
+          <a:chOff x="0" y="0"/>
+          <a:chExt cx="0" cy="0"/>
+        </a:xfrm>
+      </p:grpSpPr>
+      <p:sp>
+        <p:nvSpPr>
+          <p:cNvPr id="2" name="AutoShape 2"/>
           <p:cNvSpPr/>
           <p:nvPr/>
         </p:nvSpPr>
         <p:spPr>
-          <a:xfrm rot="0">
-            <a:off x="-507744" y="-719806"/>
+          <a:xfrm>
+            <a:off x="-507744" y="-707472"/>
             <a:ext cx="12630839" cy="11726613"/>
           </a:xfrm>
           <a:prstGeom prst="rect">
@@ -3592,69 +4340,69 @@
       </p:sp>
       <p:sp>
         <p:nvSpPr>
-          <p:cNvPr name="AutoShape 3" id="3"/>
+          <p:cNvPr id="3" name="AutoShape 3"/>
           <p:cNvSpPr/>
           <p:nvPr/>
         </p:nvSpPr>
         <p:spPr>
-          <a:xfrm rot="0">
+          <a:xfrm>
             <a:off x="-78368" y="8891825"/>
             <a:ext cx="16230600" cy="0"/>
           </a:xfrm>
           <a:prstGeom prst="line">
             <a:avLst/>
           </a:prstGeom>
-          <a:ln cap="rnd" w="114300">
+          <a:ln w="114300" cap="rnd">
             <a:solidFill>
               <a:srgbClr val="40C6CC"/>
             </a:solidFill>
             <a:prstDash val="solid"/>
-            <a:headEnd type="none" len="sm" w="sm"/>
-            <a:tailEnd type="none" len="sm" w="sm"/>
+            <a:headEnd type="none" w="sm" len="sm"/>
+            <a:tailEnd type="none" w="sm" len="sm"/>
           </a:ln>
         </p:spPr>
       </p:sp>
       <p:sp>
         <p:nvSpPr>
-          <p:cNvPr name="AutoShape 4" id="4"/>
+          <p:cNvPr id="4" name="AutoShape 4"/>
           <p:cNvSpPr/>
           <p:nvPr/>
         </p:nvSpPr>
         <p:spPr>
-          <a:xfrm rot="0">
+          <a:xfrm>
             <a:off x="-27189" y="789415"/>
             <a:ext cx="16230600" cy="0"/>
           </a:xfrm>
           <a:prstGeom prst="line">
             <a:avLst/>
           </a:prstGeom>
-          <a:ln cap="rnd" w="95250">
+          <a:ln w="95250" cap="rnd">
             <a:solidFill>
               <a:srgbClr val="40C6CC"/>
             </a:solidFill>
             <a:prstDash val="solid"/>
-            <a:headEnd type="none" len="sm" w="sm"/>
-            <a:tailEnd type="none" len="sm" w="sm"/>
+            <a:headEnd type="none" w="sm" len="sm"/>
+            <a:tailEnd type="none" w="sm" len="sm"/>
           </a:ln>
         </p:spPr>
       </p:sp>
       <p:pic>
         <p:nvPicPr>
-          <p:cNvPr name="Picture 5" id="5"/>
+          <p:cNvPr id="5" name="Picture 5"/>
           <p:cNvPicPr>
-            <a:picLocks noChangeAspect="true"/>
+            <a:picLocks noChangeAspect="1"/>
           </p:cNvPicPr>
           <p:nvPr/>
         </p:nvPicPr>
         <p:blipFill>
           <a:blip r:embed="rId2"/>
-          <a:srcRect l="712" t="0" r="11394" b="1360"/>
+          <a:srcRect l="712" r="11394" b="1360"/>
           <a:stretch>
             <a:fillRect/>
           </a:stretch>
         </p:blipFill>
         <p:spPr>
-          <a:xfrm flipH="false" flipV="false" rot="0">
+          <a:xfrm>
             <a:off x="12123095" y="24670"/>
             <a:ext cx="6078127" cy="10262330"/>
           </a:xfrm>
@@ -3665,12 +4413,12 @@
       </p:pic>
       <p:grpSp>
         <p:nvGrpSpPr>
-          <p:cNvPr name="Group 6" id="6"/>
+          <p:cNvPr id="6" name="Group 6"/>
           <p:cNvGrpSpPr/>
           <p:nvPr/>
         </p:nvGrpSpPr>
         <p:grpSpPr>
-          <a:xfrm rot="0">
+          <a:xfrm>
             <a:off x="1435117" y="1490694"/>
             <a:ext cx="8633316" cy="6309311"/>
             <a:chOff x="0" y="0"/>
@@ -3679,12 +4427,12 @@
         </p:grpSpPr>
         <p:sp>
           <p:nvSpPr>
-            <p:cNvPr name="TextBox 7" id="7"/>
-            <p:cNvSpPr txBox="true"/>
+            <p:cNvPr id="7" name="TextBox 7"/>
+            <p:cNvSpPr txBox="1"/>
             <p:nvPr/>
           </p:nvSpPr>
           <p:spPr>
-            <a:xfrm rot="0">
+            <a:xfrm>
               <a:off x="0" y="26458"/>
               <a:ext cx="11511088" cy="1393825"/>
             </a:xfrm>
@@ -3693,7 +4441,7 @@
             </a:prstGeom>
           </p:spPr>
           <p:txBody>
-            <a:bodyPr anchor="t" rtlCol="false" tIns="0" lIns="0" bIns="0" rIns="0">
+            <a:bodyPr lIns="0" tIns="0" rIns="0" bIns="0" rtlCol="0" anchor="t">
               <a:spAutoFit/>
             </a:bodyPr>
             <a:lstStyle/>
@@ -3717,12 +4465,12 @@
         </p:sp>
         <p:sp>
           <p:nvSpPr>
-            <p:cNvPr name="TextBox 8" id="8"/>
-            <p:cNvSpPr txBox="true"/>
+            <p:cNvPr id="8" name="TextBox 8"/>
+            <p:cNvSpPr txBox="1"/>
             <p:nvPr/>
           </p:nvSpPr>
           <p:spPr>
-            <a:xfrm rot="0">
+            <a:xfrm>
               <a:off x="0" y="1884154"/>
               <a:ext cx="10912891" cy="669290"/>
             </a:xfrm>
@@ -3731,7 +4479,7 @@
             </a:prstGeom>
           </p:spPr>
           <p:txBody>
-            <a:bodyPr anchor="t" rtlCol="false" tIns="0" lIns="0" bIns="0" rIns="0">
+            <a:bodyPr lIns="0" tIns="0" rIns="0" bIns="0" rtlCol="0" anchor="t">
               <a:spAutoFit/>
             </a:bodyPr>
             <a:lstStyle/>
@@ -3741,17 +4489,18 @@
                   <a:spcPts val="4000"/>
                 </a:lnSpc>
               </a:pPr>
+              <a:endParaRPr/>
             </a:p>
           </p:txBody>
         </p:sp>
         <p:sp>
           <p:nvSpPr>
-            <p:cNvPr name="TextBox 9" id="9"/>
-            <p:cNvSpPr txBox="true"/>
+            <p:cNvPr id="9" name="TextBox 9"/>
+            <p:cNvSpPr txBox="1"/>
             <p:nvPr/>
           </p:nvSpPr>
           <p:spPr>
-            <a:xfrm rot="0">
+            <a:xfrm>
               <a:off x="0" y="2701859"/>
               <a:ext cx="10853744" cy="5967731"/>
             </a:xfrm>
@@ -3760,7 +4509,7 @@
             </a:prstGeom>
           </p:spPr>
           <p:txBody>
-            <a:bodyPr anchor="t" rtlCol="false" tIns="0" lIns="0" bIns="0" rIns="0">
+            <a:bodyPr lIns="0" tIns="0" rIns="0" bIns="0" rtlCol="0" anchor="t">
               <a:spAutoFit/>
             </a:bodyPr>
             <a:lstStyle/>
@@ -3801,12 +4550,12 @@
       </p:grpSp>
       <p:sp>
         <p:nvSpPr>
-          <p:cNvPr name="TextBox 10" id="10"/>
-          <p:cNvSpPr txBox="true"/>
-          <p:nvPr/>
-        </p:nvSpPr>
-        <p:spPr>
-          <a:xfrm rot="0">
+          <p:cNvPr id="10" name="TextBox 10"/>
+          <p:cNvSpPr txBox="1"/>
+          <p:nvPr/>
+        </p:nvSpPr>
+        <p:spPr>
+          <a:xfrm>
             <a:off x="5751775" y="9702174"/>
             <a:ext cx="11909119" cy="287655"/>
           </a:xfrm>
@@ -3815,7 +4564,7 @@
           </a:prstGeom>
         </p:spPr>
         <p:txBody>
-          <a:bodyPr anchor="t" rtlCol="false" tIns="0" lIns="0" bIns="0" rIns="0">
+          <a:bodyPr lIns="0" tIns="0" rIns="0" bIns="0" rtlCol="0" anchor="t">
             <a:spAutoFit/>
           </a:bodyPr>
           <a:lstStyle/>
@@ -3837,22 +4586,54 @@
           </a:p>
         </p:txBody>
       </p:sp>
+      <p:pic>
+        <p:nvPicPr>
+          <p:cNvPr id="11" name="Рисунок 10"/>
+          <p:cNvPicPr>
+            <a:picLocks noChangeAspect="1"/>
+          </p:cNvPicPr>
+          <p:nvPr/>
+        </p:nvPicPr>
+        <p:blipFill>
+          <a:blip r:embed="rId3"/>
+          <a:stretch>
+            <a:fillRect/>
+          </a:stretch>
+        </p:blipFill>
+        <p:spPr>
+          <a:xfrm>
+            <a:off x="11125200" y="-46649"/>
+            <a:ext cx="7193662" cy="10333649"/>
+          </a:xfrm>
+          <a:prstGeom prst="rect">
+            <a:avLst/>
+          </a:prstGeom>
+        </p:spPr>
+      </p:pic>
     </p:spTree>
   </p:cSld>
   <p:clrMapOvr>
     <a:masterClrMapping/>
   </p:clrMapOvr>
+  <p:timing>
+    <p:tnLst>
+      <p:par>
+        <p:cTn id="1" dur="indefinite" restart="never" nodeType="tmRoot"/>
+      </p:par>
+    </p:tnLst>
+  </p:timing>
 </p:sld>
 </file>
 
 <file path=ppt/slides/slide3.xml><?xml version="1.0" encoding="utf-8"?>
-<p:sld xmlns:p="http://schemas.openxmlformats.org/presentationml/2006/main" xmlns:a="http://schemas.openxmlformats.org/drawingml/2006/main" xmlns:r="http://schemas.openxmlformats.org/officeDocument/2006/relationships">
+<p:sld xmlns:a="http://schemas.openxmlformats.org/drawingml/2006/main" xmlns:r="http://schemas.openxmlformats.org/officeDocument/2006/relationships" xmlns:p="http://schemas.openxmlformats.org/presentationml/2006/main">
   <p:cSld>
     <p:bg>
       <p:bgPr>
         <a:solidFill>
           <a:srgbClr val="231F1D"/>
         </a:solidFill>
+        <a:effectLst/>
       </p:bgPr>
     </p:bg>
     <p:spTree>
@@ -3871,21 +4652,21 @@
       </p:grpSpPr>
       <p:pic>
         <p:nvPicPr>
-          <p:cNvPr name="Picture 2" id="2"/>
+          <p:cNvPr id="2" name="Picture 2"/>
           <p:cNvPicPr>
-            <a:picLocks noChangeAspect="true"/>
+            <a:picLocks noChangeAspect="1"/>
           </p:cNvPicPr>
           <p:nvPr/>
         </p:nvPicPr>
         <p:blipFill>
           <a:blip r:embed="rId2"/>
-          <a:srcRect l="0" t="0" r="0" b="0"/>
+          <a:srcRect/>
           <a:stretch>
             <a:fillRect/>
           </a:stretch>
         </p:blipFill>
         <p:spPr>
-          <a:xfrm flipH="false" flipV="false" rot="0">
+          <a:xfrm>
             <a:off x="1028700" y="0"/>
             <a:ext cx="7156174" cy="10287000"/>
           </a:xfrm>
@@ -3896,21 +4677,21 @@
       </p:pic>
       <p:pic>
         <p:nvPicPr>
-          <p:cNvPr name="Picture 3" id="3"/>
+          <p:cNvPr id="3" name="Picture 3"/>
           <p:cNvPicPr>
-            <a:picLocks noChangeAspect="true"/>
+            <a:picLocks noChangeAspect="1"/>
           </p:cNvPicPr>
           <p:nvPr/>
         </p:nvPicPr>
         <p:blipFill>
           <a:blip r:embed="rId3"/>
-          <a:srcRect l="0" t="0" r="0" b="0"/>
+          <a:srcRect/>
           <a:stretch>
             <a:fillRect/>
           </a:stretch>
         </p:blipFill>
         <p:spPr>
-          <a:xfrm flipH="false" flipV="false" rot="0">
+          <a:xfrm>
             <a:off x="10115905" y="0"/>
             <a:ext cx="7143395" cy="10287000"/>
           </a:xfrm>
@@ -3921,12 +4702,12 @@
       </p:pic>
       <p:sp>
         <p:nvSpPr>
-          <p:cNvPr name="TextBox 4" id="4"/>
-          <p:cNvSpPr txBox="true"/>
-          <p:nvPr/>
-        </p:nvSpPr>
-        <p:spPr>
-          <a:xfrm rot="0">
+          <p:cNvPr id="4" name="TextBox 4"/>
+          <p:cNvSpPr txBox="1"/>
+          <p:nvPr/>
+        </p:nvSpPr>
+        <p:spPr>
+          <a:xfrm>
             <a:off x="5751775" y="9702174"/>
             <a:ext cx="11909119" cy="287655"/>
           </a:xfrm>
@@ -3935,7 +4716,7 @@
           </a:prstGeom>
         </p:spPr>
         <p:txBody>
-          <a:bodyPr anchor="t" rtlCol="false" tIns="0" lIns="0" bIns="0" rIns="0">
+          <a:bodyPr lIns="0" tIns="0" rIns="0" bIns="0" rtlCol="0" anchor="t">
             <a:spAutoFit/>
           </a:bodyPr>
           <a:lstStyle/>
@@ -3962,17 +4743,25 @@
   <p:clrMapOvr>
     <a:masterClrMapping/>
   </p:clrMapOvr>
+  <p:timing>
+    <p:tnLst>
+      <p:par>
+        <p:cTn id="1" dur="indefinite" restart="never" nodeType="tmRoot"/>
+      </p:par>
+    </p:tnLst>
+  </p:timing>
 </p:sld>
 </file>
 
 <file path=ppt/slides/slide4.xml><?xml version="1.0" encoding="utf-8"?>
-<p:sld xmlns:p="http://schemas.openxmlformats.org/presentationml/2006/main" xmlns:a="http://schemas.openxmlformats.org/drawingml/2006/main" xmlns:r="http://schemas.openxmlformats.org/officeDocument/2006/relationships">
+<p:sld xmlns:a="http://schemas.openxmlformats.org/drawingml/2006/main" xmlns:r="http://schemas.openxmlformats.org/officeDocument/2006/relationships" xmlns:p="http://schemas.openxmlformats.org/presentationml/2006/main">
   <p:cSld>
     <p:bg>
       <p:bgPr>
         <a:solidFill>
           <a:srgbClr val="231F1D"/>
         </a:solidFill>
+        <a:effectLst/>
       </p:bgPr>
     </p:bg>
     <p:spTree>
@@ -3991,12 +4780,12 @@
       </p:grpSpPr>
       <p:sp>
         <p:nvSpPr>
-          <p:cNvPr name="AutoShape 2" id="2"/>
+          <p:cNvPr id="2" name="AutoShape 2"/>
           <p:cNvSpPr/>
           <p:nvPr/>
         </p:nvSpPr>
         <p:spPr>
-          <a:xfrm rot="0">
+          <a:xfrm>
             <a:off x="9144000" y="-238537"/>
             <a:ext cx="9467850" cy="3880348"/>
           </a:xfrm>
@@ -4010,21 +4799,21 @@
       </p:sp>
       <p:pic>
         <p:nvPicPr>
-          <p:cNvPr name="Picture 3" id="3"/>
+          <p:cNvPr id="3" name="Picture 3"/>
           <p:cNvPicPr>
-            <a:picLocks noChangeAspect="true"/>
+            <a:picLocks noChangeAspect="1"/>
           </p:cNvPicPr>
           <p:nvPr/>
         </p:nvPicPr>
         <p:blipFill>
           <a:blip r:embed="rId2"/>
-          <a:srcRect l="0" t="0" r="0" b="0"/>
+          <a:srcRect/>
           <a:stretch>
             <a:fillRect/>
           </a:stretch>
         </p:blipFill>
         <p:spPr>
-          <a:xfrm flipH="false" flipV="false" rot="0">
+          <a:xfrm>
             <a:off x="0" y="0"/>
             <a:ext cx="9144000" cy="740950"/>
           </a:xfrm>
@@ -4035,21 +4824,21 @@
       </p:pic>
       <p:pic>
         <p:nvPicPr>
-          <p:cNvPr name="Picture 4" id="4"/>
+          <p:cNvPr id="4" name="Picture 4"/>
           <p:cNvPicPr>
-            <a:picLocks noChangeAspect="true"/>
+            <a:picLocks noChangeAspect="1"/>
           </p:cNvPicPr>
           <p:nvPr/>
         </p:nvPicPr>
         <p:blipFill>
           <a:blip r:embed="rId3"/>
-          <a:srcRect l="0" t="0" r="0" b="0"/>
+          <a:srcRect/>
           <a:stretch>
             <a:fillRect/>
           </a:stretch>
         </p:blipFill>
         <p:spPr>
-          <a:xfrm flipH="false" flipV="false" rot="0">
+          <a:xfrm>
             <a:off x="0" y="740950"/>
             <a:ext cx="9144000" cy="831273"/>
           </a:xfrm>
@@ -4060,21 +4849,21 @@
       </p:pic>
       <p:pic>
         <p:nvPicPr>
-          <p:cNvPr name="Picture 5" id="5"/>
+          <p:cNvPr id="5" name="Picture 5"/>
           <p:cNvPicPr>
-            <a:picLocks noChangeAspect="true"/>
+            <a:picLocks noChangeAspect="1"/>
           </p:cNvPicPr>
           <p:nvPr/>
         </p:nvPicPr>
         <p:blipFill>
           <a:blip r:embed="rId4"/>
-          <a:srcRect l="0" t="0" r="0" b="0"/>
+          <a:srcRect/>
           <a:stretch>
             <a:fillRect/>
           </a:stretch>
         </p:blipFill>
         <p:spPr>
-          <a:xfrm flipH="false" flipV="false" rot="0">
+          <a:xfrm>
             <a:off x="0" y="1572223"/>
             <a:ext cx="9144000" cy="648269"/>
           </a:xfrm>
@@ -4085,21 +4874,21 @@
       </p:pic>
       <p:pic>
         <p:nvPicPr>
-          <p:cNvPr name="Picture 6" id="6"/>
+          <p:cNvPr id="6" name="Picture 6"/>
           <p:cNvPicPr>
-            <a:picLocks noChangeAspect="true"/>
+            <a:picLocks noChangeAspect="1"/>
           </p:cNvPicPr>
           <p:nvPr/>
         </p:nvPicPr>
         <p:blipFill>
           <a:blip r:embed="rId5"/>
-          <a:srcRect l="0" t="0" r="0" b="0"/>
+          <a:srcRect/>
           <a:stretch>
             <a:fillRect/>
           </a:stretch>
         </p:blipFill>
         <p:spPr>
-          <a:xfrm flipH="false" flipV="false" rot="0">
+          <a:xfrm>
             <a:off x="0" y="2257013"/>
             <a:ext cx="9144000" cy="757695"/>
           </a:xfrm>
@@ -4110,21 +4899,21 @@
       </p:pic>
       <p:pic>
         <p:nvPicPr>
-          <p:cNvPr name="Picture 7" id="7"/>
+          <p:cNvPr id="7" name="Picture 7"/>
           <p:cNvPicPr>
-            <a:picLocks noChangeAspect="true"/>
+            <a:picLocks noChangeAspect="1"/>
           </p:cNvPicPr>
           <p:nvPr/>
         </p:nvPicPr>
         <p:blipFill>
           <a:blip r:embed="rId6"/>
-          <a:srcRect l="0" t="0" r="0" b="0"/>
+          <a:srcRect/>
           <a:stretch>
             <a:fillRect/>
           </a:stretch>
         </p:blipFill>
         <p:spPr>
-          <a:xfrm flipH="false" flipV="false" rot="0">
+          <a:xfrm>
             <a:off x="0" y="3014708"/>
             <a:ext cx="9144000" cy="719191"/>
           </a:xfrm>
@@ -4135,21 +4924,21 @@
       </p:pic>
       <p:pic>
         <p:nvPicPr>
-          <p:cNvPr name="Picture 8" id="8"/>
+          <p:cNvPr id="8" name="Picture 8"/>
           <p:cNvPicPr>
-            <a:picLocks noChangeAspect="true"/>
+            <a:picLocks noChangeAspect="1"/>
           </p:cNvPicPr>
           <p:nvPr/>
         </p:nvPicPr>
         <p:blipFill>
           <a:blip r:embed="rId7"/>
-          <a:srcRect l="0" t="0" r="0" b="0"/>
+          <a:srcRect/>
           <a:stretch>
             <a:fillRect/>
           </a:stretch>
         </p:blipFill>
         <p:spPr>
-          <a:xfrm flipH="false" flipV="false" rot="0">
+          <a:xfrm>
             <a:off x="0" y="3641811"/>
             <a:ext cx="9144000" cy="1224951"/>
           </a:xfrm>
@@ -4160,12 +4949,12 @@
       </p:pic>
       <p:grpSp>
         <p:nvGrpSpPr>
-          <p:cNvPr name="Group 9" id="9"/>
+          <p:cNvPr id="9" name="Group 9"/>
           <p:cNvGrpSpPr/>
           <p:nvPr/>
         </p:nvGrpSpPr>
         <p:grpSpPr>
-          <a:xfrm rot="0">
+          <a:xfrm>
             <a:off x="-2488488" y="-514350"/>
             <a:ext cx="5657850" cy="5657850"/>
             <a:chOff x="0" y="0"/>
@@ -4174,7 +4963,7 @@
         </p:grpSpPr>
         <p:sp>
           <p:nvSpPr>
-            <p:cNvPr name="Freeform 10" id="10"/>
+            <p:cNvPr id="10" name="Freeform 10"/>
             <p:cNvSpPr/>
             <p:nvPr/>
           </p:nvSpPr>
@@ -4188,9 +4977,9 @@
               <a:gdLst/>
               <a:ahLst/>
               <a:cxnLst/>
-              <a:rect r="r" b="b" t="t" l="l"/>
+              <a:rect l="l" t="t" r="r" b="b"/>
               <a:pathLst>
-                <a:path h="1913890" w="1913890">
+                <a:path w="1913890" h="1913890">
                   <a:moveTo>
                     <a:pt x="0" y="0"/>
                   </a:moveTo>
@@ -4215,12 +5004,12 @@
       </p:grpSp>
       <p:sp>
         <p:nvSpPr>
-          <p:cNvPr name="AutoShape 11" id="11"/>
+          <p:cNvPr id="11" name="AutoShape 11"/>
           <p:cNvSpPr/>
           <p:nvPr/>
         </p:nvSpPr>
         <p:spPr>
-          <a:xfrm rot="0">
+          <a:xfrm>
             <a:off x="-323850" y="3641811"/>
             <a:ext cx="13867211" cy="6063752"/>
           </a:xfrm>
@@ -4234,12 +5023,12 @@
       </p:sp>
       <p:grpSp>
         <p:nvGrpSpPr>
-          <p:cNvPr name="Group 12" id="12"/>
+          <p:cNvPr id="12" name="Group 12"/>
           <p:cNvGrpSpPr/>
           <p:nvPr/>
         </p:nvGrpSpPr>
         <p:grpSpPr>
-          <a:xfrm rot="0">
+          <a:xfrm>
             <a:off x="3045174" y="3641811"/>
             <a:ext cx="496751" cy="6238359"/>
             <a:chOff x="0" y="0"/>
@@ -4248,7 +5037,7 @@
         </p:grpSpPr>
         <p:sp>
           <p:nvSpPr>
-            <p:cNvPr name="Freeform 13" id="13"/>
+            <p:cNvPr id="13" name="Freeform 13"/>
             <p:cNvSpPr/>
             <p:nvPr/>
           </p:nvSpPr>
@@ -4262,9 +5051,9 @@
               <a:gdLst/>
               <a:ahLst/>
               <a:cxnLst/>
-              <a:rect r="r" b="b" t="t" l="l"/>
+              <a:rect l="l" t="t" r="r" b="b"/>
               <a:pathLst>
-                <a:path h="1913890" w="152400">
+                <a:path w="152400" h="1913890">
                   <a:moveTo>
                     <a:pt x="0" y="0"/>
                   </a:moveTo>
@@ -4289,12 +5078,12 @@
       </p:grpSp>
       <p:sp>
         <p:nvSpPr>
-          <p:cNvPr name="AutoShape 14" id="14"/>
+          <p:cNvPr id="14" name="AutoShape 14"/>
           <p:cNvSpPr/>
           <p:nvPr/>
         </p:nvSpPr>
         <p:spPr>
-          <a:xfrm rot="0">
+          <a:xfrm>
             <a:off x="-824814" y="9440562"/>
             <a:ext cx="19937627" cy="1278924"/>
           </a:xfrm>
@@ -4306,98 +5095,198 @@
           </a:solidFill>
         </p:spPr>
       </p:sp>
-      <p:sp>
-        <p:nvSpPr>
-          <p:cNvPr name="AutoShape 15" id="15"/>
+      <p:pic>
+        <p:nvPicPr>
+          <p:cNvPr id="16" name="Picture 16"/>
+          <p:cNvPicPr>
+            <a:picLocks noChangeAspect="1"/>
+          </p:cNvPicPr>
+          <p:nvPr/>
+        </p:nvPicPr>
+        <p:blipFill>
+          <a:blip r:embed="rId8"/>
+          <a:srcRect r="1076"/>
+          <a:stretch>
+            <a:fillRect/>
+          </a:stretch>
+        </p:blipFill>
+        <p:spPr>
+          <a:xfrm>
+            <a:off x="12971906" y="3641811"/>
+            <a:ext cx="5316094" cy="6645189"/>
+          </a:xfrm>
+          <a:prstGeom prst="rect">
+            <a:avLst/>
+          </a:prstGeom>
+        </p:spPr>
+      </p:pic>
+      <p:sp>
+        <p:nvSpPr>
+          <p:cNvPr id="17" name="AutoShape 17"/>
           <p:cNvSpPr/>
           <p:nvPr/>
         </p:nvSpPr>
         <p:spPr>
-          <a:xfrm rot="0">
-            <a:off x="-323850" y="3641811"/>
-            <a:ext cx="16230600" cy="0"/>
+          <a:xfrm rot="5400000">
+            <a:off x="7123117" y="1713016"/>
+            <a:ext cx="4041766" cy="0"/>
           </a:xfrm>
           <a:prstGeom prst="line">
             <a:avLst/>
           </a:prstGeom>
-          <a:ln cap="rnd" w="323850">
+          <a:ln w="161925" cap="rnd">
             <a:solidFill>
               <a:srgbClr val="40C6CC"/>
             </a:solidFill>
             <a:prstDash val="solid"/>
-            <a:headEnd type="none" len="sm" w="sm"/>
-            <a:tailEnd type="none" len="sm" w="sm"/>
+            <a:headEnd type="none" w="sm" len="sm"/>
+            <a:tailEnd type="none" w="sm" len="sm"/>
           </a:ln>
         </p:spPr>
       </p:sp>
       <p:pic>
         <p:nvPicPr>
-          <p:cNvPr name="Picture 16" id="16"/>
+          <p:cNvPr id="18" name="Picture 18"/>
           <p:cNvPicPr>
-            <a:picLocks noChangeAspect="true"/>
+            <a:picLocks noChangeAspect="1"/>
           </p:cNvPicPr>
           <p:nvPr/>
         </p:nvPicPr>
         <p:blipFill>
-          <a:blip r:embed="rId8"/>
-          <a:srcRect l="0" t="0" r="1076" b="0"/>
+          <a:blip r:embed="rId9"/>
+          <a:srcRect/>
           <a:stretch>
             <a:fillRect/>
           </a:stretch>
         </p:blipFill>
         <p:spPr>
-          <a:xfrm flipH="false" flipV="false" rot="0">
-            <a:off x="12971906" y="3641811"/>
-            <a:ext cx="5316094" cy="6645189"/>
+          <a:xfrm>
+            <a:off x="0" y="0"/>
+            <a:ext cx="3293550" cy="673681"/>
           </a:xfrm>
           <a:prstGeom prst="rect">
             <a:avLst/>
           </a:prstGeom>
         </p:spPr>
       </p:pic>
-      <p:sp>
-        <p:nvSpPr>
-          <p:cNvPr name="AutoShape 17" id="17"/>
+      <p:pic>
+        <p:nvPicPr>
+          <p:cNvPr id="19" name="Picture 19"/>
+          <p:cNvPicPr>
+            <a:picLocks noChangeAspect="1"/>
+          </p:cNvPicPr>
+          <p:nvPr/>
+        </p:nvPicPr>
+        <p:blipFill>
+          <a:blip r:embed="rId9"/>
+          <a:srcRect l="3671" r="7165"/>
+          <a:stretch>
+            <a:fillRect/>
+          </a:stretch>
+        </p:blipFill>
+        <p:spPr>
+          <a:xfrm>
+            <a:off x="0" y="778805"/>
+            <a:ext cx="3169362" cy="727075"/>
+          </a:xfrm>
+          <a:prstGeom prst="rect">
+            <a:avLst/>
+          </a:prstGeom>
+        </p:spPr>
+      </p:pic>
+      <p:pic>
+        <p:nvPicPr>
+          <p:cNvPr id="22" name="Picture 22"/>
+          <p:cNvPicPr>
+            <a:picLocks noChangeAspect="1"/>
+          </p:cNvPicPr>
+          <p:nvPr/>
+        </p:nvPicPr>
+        <p:blipFill>
+          <a:blip r:embed="rId9"/>
+          <a:srcRect/>
+          <a:stretch>
+            <a:fillRect/>
+          </a:stretch>
+        </p:blipFill>
+        <p:spPr>
+          <a:xfrm>
+            <a:off x="0" y="2969061"/>
+            <a:ext cx="3288999" cy="693572"/>
+          </a:xfrm>
+          <a:prstGeom prst="rect">
+            <a:avLst/>
+          </a:prstGeom>
+        </p:spPr>
+      </p:pic>
+      <p:pic>
+        <p:nvPicPr>
+          <p:cNvPr id="20" name="Picture 20"/>
+          <p:cNvPicPr>
+            <a:picLocks noChangeAspect="1"/>
+          </p:cNvPicPr>
+          <p:nvPr/>
+        </p:nvPicPr>
+        <p:blipFill>
+          <a:blip r:embed="rId9"/>
+          <a:srcRect/>
+          <a:stretch>
+            <a:fillRect/>
+          </a:stretch>
+        </p:blipFill>
+        <p:spPr>
+          <a:xfrm>
+            <a:off x="-88480" y="1550468"/>
+            <a:ext cx="3382029" cy="691779"/>
+          </a:xfrm>
+          <a:prstGeom prst="rect">
+            <a:avLst/>
+          </a:prstGeom>
+        </p:spPr>
+      </p:pic>
+      <p:sp>
+        <p:nvSpPr>
+          <p:cNvPr id="15" name="AutoShape 15"/>
           <p:cNvSpPr/>
           <p:nvPr/>
         </p:nvSpPr>
         <p:spPr>
-          <a:xfrm rot="5400000">
-            <a:off x="7204080" y="1701891"/>
-            <a:ext cx="4041766" cy="0"/>
+          <a:xfrm flipV="1">
+            <a:off x="-609600" y="3767361"/>
+            <a:ext cx="19354800" cy="11125"/>
           </a:xfrm>
           <a:prstGeom prst="line">
             <a:avLst/>
           </a:prstGeom>
-          <a:ln cap="rnd" w="161925">
+          <a:ln w="323850" cap="rnd">
             <a:solidFill>
               <a:srgbClr val="40C6CC"/>
             </a:solidFill>
             <a:prstDash val="solid"/>
-            <a:headEnd type="none" len="sm" w="sm"/>
-            <a:tailEnd type="none" len="sm" w="sm"/>
+            <a:headEnd type="none" w="sm" len="sm"/>
+            <a:tailEnd type="none" w="sm" len="sm"/>
           </a:ln>
         </p:spPr>
       </p:sp>
       <p:pic>
         <p:nvPicPr>
-          <p:cNvPr name="Picture 18" id="18"/>
+          <p:cNvPr id="21" name="Picture 21"/>
           <p:cNvPicPr>
-            <a:picLocks noChangeAspect="true"/>
+            <a:picLocks noChangeAspect="1"/>
           </p:cNvPicPr>
           <p:nvPr/>
         </p:nvPicPr>
         <p:blipFill>
           <a:blip r:embed="rId9"/>
-          <a:srcRect l="0" t="0" r="0" b="0"/>
+          <a:srcRect r="4990"/>
           <a:stretch>
             <a:fillRect/>
           </a:stretch>
         </p:blipFill>
         <p:spPr>
-          <a:xfrm flipH="false" flipV="false" rot="0">
-            <a:off x="0" y="0"/>
-            <a:ext cx="3293550" cy="673681"/>
+          <a:xfrm>
+            <a:off x="0" y="2302660"/>
+            <a:ext cx="3307389" cy="712048"/>
           </a:xfrm>
           <a:prstGeom prst="rect">
             <a:avLst/>
@@ -4406,98 +5295,23 @@
       </p:pic>
       <p:pic>
         <p:nvPicPr>
-          <p:cNvPr name="Picture 19" id="19"/>
+          <p:cNvPr id="23" name="Picture 23"/>
           <p:cNvPicPr>
-            <a:picLocks noChangeAspect="true"/>
+            <a:picLocks noChangeAspect="1"/>
           </p:cNvPicPr>
           <p:nvPr/>
         </p:nvPicPr>
         <p:blipFill>
-          <a:blip r:embed="rId9"/>
-          <a:srcRect l="3671" t="0" r="7165" b="0"/>
+          <a:blip r:embed="rId10"/>
+          <a:srcRect/>
           <a:stretch>
             <a:fillRect/>
           </a:stretch>
         </p:blipFill>
         <p:spPr>
-          <a:xfrm flipH="false" flipV="false" rot="0">
-            <a:off x="0" y="778805"/>
-            <a:ext cx="3169362" cy="727075"/>
-          </a:xfrm>
-          <a:prstGeom prst="rect">
-            <a:avLst/>
-          </a:prstGeom>
-        </p:spPr>
-      </p:pic>
-      <p:pic>
-        <p:nvPicPr>
-          <p:cNvPr name="Picture 20" id="20"/>
-          <p:cNvPicPr>
-            <a:picLocks noChangeAspect="true"/>
-          </p:cNvPicPr>
-          <p:nvPr/>
-        </p:nvPicPr>
-        <p:blipFill>
-          <a:blip r:embed="rId9"/>
-          <a:srcRect l="0" t="0" r="0" b="0"/>
-          <a:stretch>
-            <a:fillRect/>
-          </a:stretch>
-        </p:blipFill>
-        <p:spPr>
-          <a:xfrm flipH="false" flipV="false" rot="0">
-            <a:off x="-88480" y="1550468"/>
-            <a:ext cx="3382029" cy="691779"/>
-          </a:xfrm>
-          <a:prstGeom prst="rect">
-            <a:avLst/>
-          </a:prstGeom>
-        </p:spPr>
-      </p:pic>
-      <p:pic>
-        <p:nvPicPr>
-          <p:cNvPr name="Picture 21" id="21"/>
-          <p:cNvPicPr>
-            <a:picLocks noChangeAspect="true"/>
-          </p:cNvPicPr>
-          <p:nvPr/>
-        </p:nvPicPr>
-        <p:blipFill>
-          <a:blip r:embed="rId9"/>
-          <a:srcRect l="0" t="0" r="4990" b="0"/>
-          <a:stretch>
-            <a:fillRect/>
-          </a:stretch>
-        </p:blipFill>
-        <p:spPr>
-          <a:xfrm flipH="false" flipV="false" rot="0">
-            <a:off x="0" y="2302660"/>
-            <a:ext cx="3307389" cy="712048"/>
-          </a:xfrm>
-          <a:prstGeom prst="rect">
-            <a:avLst/>
-          </a:prstGeom>
-        </p:spPr>
-      </p:pic>
-      <p:pic>
-        <p:nvPicPr>
-          <p:cNvPr name="Picture 22" id="22"/>
-          <p:cNvPicPr>
-            <a:picLocks noChangeAspect="true"/>
-          </p:cNvPicPr>
-          <p:nvPr/>
-        </p:nvPicPr>
-        <p:blipFill>
-          <a:blip r:embed="rId9"/>
-          <a:srcRect l="0" t="0" r="0" b="0"/>
-          <a:stretch>
-            <a:fillRect/>
-          </a:stretch>
-        </p:blipFill>
-        <p:spPr>
-          <a:xfrm flipH="false" flipV="false" rot="0">
-            <a:off x="0" y="2969061"/>
-            <a:ext cx="3288999" cy="672750"/>
+          <a:xfrm>
+            <a:off x="12971906" y="3613392"/>
+            <a:ext cx="5408524" cy="6673607"/>
           </a:xfrm>
           <a:prstGeom prst="rect">
             <a:avLst/>
@@ -4506,12 +5320,12 @@
       </p:pic>
       <p:grpSp>
         <p:nvGrpSpPr>
-          <p:cNvPr name="Group 23" id="23"/>
+          <p:cNvPr id="24" name="Group 24"/>
           <p:cNvGrpSpPr/>
           <p:nvPr/>
         </p:nvGrpSpPr>
         <p:grpSpPr>
-          <a:xfrm rot="0">
+          <a:xfrm>
             <a:off x="4248191" y="5726224"/>
             <a:ext cx="7086518" cy="2476363"/>
             <a:chOff x="0" y="0"/>
@@ -4520,12 +5334,12 @@
         </p:grpSpPr>
         <p:sp>
           <p:nvSpPr>
-            <p:cNvPr name="TextBox 24" id="24"/>
-            <p:cNvSpPr txBox="true"/>
+            <p:cNvPr id="25" name="TextBox 25"/>
+            <p:cNvSpPr txBox="1"/>
             <p:nvPr/>
           </p:nvSpPr>
           <p:spPr>
-            <a:xfrm rot="0">
+            <a:xfrm>
               <a:off x="11402" y="-30692"/>
               <a:ext cx="9425887" cy="2298488"/>
             </a:xfrm>
@@ -4534,7 +5348,7 @@
             </a:prstGeom>
           </p:spPr>
           <p:txBody>
-            <a:bodyPr anchor="t" rtlCol="false" tIns="0" lIns="0" bIns="0" rIns="0">
+            <a:bodyPr lIns="0" tIns="0" rIns="0" bIns="0" rtlCol="0" anchor="t">
               <a:spAutoFit/>
             </a:bodyPr>
             <a:lstStyle/>
@@ -4558,12 +5372,12 @@
         </p:sp>
         <p:sp>
           <p:nvSpPr>
-            <p:cNvPr name="TextBox 25" id="25"/>
-            <p:cNvSpPr txBox="true"/>
+            <p:cNvPr id="26" name="TextBox 26"/>
+            <p:cNvSpPr txBox="1"/>
             <p:nvPr/>
           </p:nvSpPr>
           <p:spPr>
-            <a:xfrm rot="0">
+            <a:xfrm>
               <a:off x="0" y="2749579"/>
               <a:ext cx="9448691" cy="365548"/>
             </a:xfrm>
@@ -4572,7 +5386,7 @@
             </a:prstGeom>
           </p:spPr>
           <p:txBody>
-            <a:bodyPr anchor="t" rtlCol="false" tIns="0" lIns="0" bIns="0" rIns="0">
+            <a:bodyPr lIns="0" tIns="0" rIns="0" bIns="0" rtlCol="0" anchor="t">
               <a:spAutoFit/>
             </a:bodyPr>
             <a:lstStyle/>
@@ -4582,18 +5396,19 @@
                   <a:spcPts val="2362"/>
                 </a:lnSpc>
               </a:pPr>
+              <a:endParaRPr/>
             </a:p>
           </p:txBody>
         </p:sp>
       </p:grpSp>
       <p:grpSp>
         <p:nvGrpSpPr>
-          <p:cNvPr name="Group 26" id="26"/>
+          <p:cNvPr id="27" name="Group 27"/>
           <p:cNvGrpSpPr/>
           <p:nvPr/>
         </p:nvGrpSpPr>
         <p:grpSpPr>
-          <a:xfrm rot="0">
+          <a:xfrm>
             <a:off x="9718615" y="658811"/>
             <a:ext cx="7649492" cy="2475093"/>
             <a:chOff x="0" y="0"/>
@@ -4602,12 +5417,12 @@
         </p:grpSpPr>
         <p:sp>
           <p:nvSpPr>
-            <p:cNvPr name="TextBox 27" id="27"/>
-            <p:cNvSpPr txBox="true"/>
+            <p:cNvPr id="28" name="TextBox 28"/>
+            <p:cNvSpPr txBox="1"/>
             <p:nvPr/>
           </p:nvSpPr>
           <p:spPr>
-            <a:xfrm rot="0">
+            <a:xfrm>
               <a:off x="12308" y="-30692"/>
               <a:ext cx="10174707" cy="2298488"/>
             </a:xfrm>
@@ -4616,7 +5431,7 @@
             </a:prstGeom>
           </p:spPr>
           <p:txBody>
-            <a:bodyPr anchor="t" rtlCol="false" tIns="0" lIns="0" bIns="0" rIns="0">
+            <a:bodyPr lIns="0" tIns="0" rIns="0" bIns="0" rtlCol="0" anchor="t">
               <a:spAutoFit/>
             </a:bodyPr>
             <a:lstStyle/>
@@ -4640,12 +5455,12 @@
         </p:sp>
         <p:sp>
           <p:nvSpPr>
-            <p:cNvPr name="TextBox 28" id="28"/>
-            <p:cNvSpPr txBox="true"/>
+            <p:cNvPr id="29" name="TextBox 29"/>
+            <p:cNvSpPr txBox="1"/>
             <p:nvPr/>
           </p:nvSpPr>
           <p:spPr>
-            <a:xfrm rot="0">
+            <a:xfrm>
               <a:off x="0" y="2749579"/>
               <a:ext cx="10199322" cy="363855"/>
             </a:xfrm>
@@ -4654,7 +5469,7 @@
             </a:prstGeom>
           </p:spPr>
           <p:txBody>
-            <a:bodyPr anchor="t" rtlCol="false" tIns="0" lIns="0" bIns="0" rIns="0">
+            <a:bodyPr lIns="0" tIns="0" rIns="0" bIns="0" rtlCol="0" anchor="t">
               <a:spAutoFit/>
             </a:bodyPr>
             <a:lstStyle/>
@@ -4664,6 +5479,7 @@
                   <a:spcPts val="2362"/>
                 </a:lnSpc>
               </a:pPr>
+              <a:endParaRPr/>
             </a:p>
           </p:txBody>
         </p:sp>
@@ -4673,17 +5489,25 @@
   <p:clrMapOvr>
     <a:masterClrMapping/>
   </p:clrMapOvr>
+  <p:timing>
+    <p:tnLst>
+      <p:par>
+        <p:cTn id="1" dur="indefinite" restart="never" nodeType="tmRoot"/>
+      </p:par>
+    </p:tnLst>
+  </p:timing>
 </p:sld>
 </file>
 
 <file path=ppt/slides/slide5.xml><?xml version="1.0" encoding="utf-8"?>
-<p:sld xmlns:p="http://schemas.openxmlformats.org/presentationml/2006/main" xmlns:a="http://schemas.openxmlformats.org/drawingml/2006/main" xmlns:r="http://schemas.openxmlformats.org/officeDocument/2006/relationships">
+<p:sld xmlns:a="http://schemas.openxmlformats.org/drawingml/2006/main" xmlns:r="http://schemas.openxmlformats.org/officeDocument/2006/relationships" xmlns:p="http://schemas.openxmlformats.org/presentationml/2006/main">
   <p:cSld>
     <p:bg>
       <p:bgPr>
         <a:solidFill>
           <a:srgbClr val="F7F9F8"/>
         </a:solidFill>
+        <a:effectLst/>
       </p:bgPr>
     </p:bg>
     <p:spTree>
@@ -4702,12 +5526,12 @@
       </p:grpSpPr>
       <p:sp>
         <p:nvSpPr>
-          <p:cNvPr name="AutoShape 2" id="2"/>
+          <p:cNvPr id="2" name="AutoShape 2"/>
           <p:cNvSpPr/>
           <p:nvPr/>
         </p:nvSpPr>
         <p:spPr>
-          <a:xfrm rot="0">
+          <a:xfrm>
             <a:off x="-824814" y="9440562"/>
             <a:ext cx="19937627" cy="1278924"/>
           </a:xfrm>
@@ -4721,12 +5545,12 @@
       </p:sp>
       <p:sp>
         <p:nvSpPr>
-          <p:cNvPr name="AutoShape 3" id="3"/>
+          <p:cNvPr id="3" name="AutoShape 3"/>
           <p:cNvSpPr/>
           <p:nvPr/>
         </p:nvSpPr>
         <p:spPr>
-          <a:xfrm rot="0">
+          <a:xfrm>
             <a:off x="-1133732" y="441754"/>
             <a:ext cx="20555465" cy="74141"/>
           </a:xfrm>
@@ -4740,21 +5564,21 @@
       </p:sp>
       <p:pic>
         <p:nvPicPr>
-          <p:cNvPr name="Picture 4" id="4"/>
+          <p:cNvPr id="4" name="Picture 4"/>
           <p:cNvPicPr>
-            <a:picLocks noChangeAspect="true"/>
+            <a:picLocks noChangeAspect="1"/>
           </p:cNvPicPr>
           <p:nvPr/>
         </p:nvPicPr>
         <p:blipFill>
           <a:blip r:embed="rId2"/>
-          <a:srcRect l="0" t="0" r="0" b="0"/>
+          <a:srcRect/>
           <a:stretch>
             <a:fillRect/>
           </a:stretch>
         </p:blipFill>
         <p:spPr>
-          <a:xfrm flipH="false" flipV="false" rot="0">
+          <a:xfrm>
             <a:off x="9393209" y="0"/>
             <a:ext cx="6829594" cy="10287000"/>
           </a:xfrm>
@@ -4765,23 +5589,23 @@
       </p:pic>
       <p:pic>
         <p:nvPicPr>
-          <p:cNvPr name="Picture 5" id="5"/>
+          <p:cNvPr id="5" name="Picture 5"/>
           <p:cNvPicPr>
-            <a:picLocks noChangeAspect="true"/>
+            <a:picLocks noChangeAspect="1"/>
           </p:cNvPicPr>
           <p:nvPr/>
         </p:nvPicPr>
         <p:blipFill>
           <a:blip r:embed="rId3"/>
-          <a:srcRect l="0" t="0" r="0" b="0"/>
+          <a:srcRect l="717" r="717" b="1435"/>
           <a:stretch>
             <a:fillRect/>
           </a:stretch>
         </p:blipFill>
         <p:spPr>
-          <a:xfrm flipH="false" flipV="false" rot="0">
-            <a:off x="9393209" y="0"/>
-            <a:ext cx="7109944" cy="10287000"/>
+          <a:xfrm>
+            <a:off x="9393208" y="-1"/>
+            <a:ext cx="7446991" cy="10774655"/>
           </a:xfrm>
           <a:prstGeom prst="rect">
             <a:avLst/>
@@ -4790,12 +5614,12 @@
       </p:pic>
       <p:sp>
         <p:nvSpPr>
-          <p:cNvPr name="TextBox 6" id="6"/>
-          <p:cNvSpPr txBox="true"/>
-          <p:nvPr/>
-        </p:nvSpPr>
-        <p:spPr>
-          <a:xfrm rot="0">
+          <p:cNvPr id="6" name="TextBox 6"/>
+          <p:cNvSpPr txBox="1"/>
+          <p:nvPr/>
+        </p:nvSpPr>
+        <p:spPr>
+          <a:xfrm>
             <a:off x="667154" y="1491860"/>
             <a:ext cx="7350106" cy="1979771"/>
           </a:xfrm>
@@ -4804,7 +5628,7 @@
           </a:prstGeom>
         </p:spPr>
         <p:txBody>
-          <a:bodyPr anchor="t" rtlCol="false" tIns="0" lIns="0" bIns="0" rIns="0">
+          <a:bodyPr lIns="0" tIns="0" rIns="0" bIns="0" rtlCol="0" anchor="t">
             <a:spAutoFit/>
           </a:bodyPr>
           <a:lstStyle/>
@@ -4828,48 +5652,48 @@
       </p:sp>
       <p:sp>
         <p:nvSpPr>
-          <p:cNvPr name="TextBox 7" id="7"/>
-          <p:cNvSpPr txBox="true"/>
-          <p:nvPr/>
-        </p:nvSpPr>
-        <p:spPr>
-          <a:xfrm rot="0">
-            <a:off x="1175875" y="4561205"/>
-            <a:ext cx="6079772" cy="1879355"/>
+          <p:cNvPr id="7" name="TextBox 7"/>
+          <p:cNvSpPr txBox="1"/>
+          <p:nvPr/>
+        </p:nvSpPr>
+        <p:spPr>
+          <a:xfrm>
+            <a:off x="847483" y="4551680"/>
+            <a:ext cx="6736556" cy="2100580"/>
           </a:xfrm>
           <a:prstGeom prst="rect">
             <a:avLst/>
           </a:prstGeom>
         </p:spPr>
         <p:txBody>
-          <a:bodyPr anchor="t" rtlCol="false" tIns="0" lIns="0" bIns="0" rIns="0">
+          <a:bodyPr lIns="0" tIns="0" rIns="0" bIns="0" rtlCol="0" anchor="t">
             <a:spAutoFit/>
           </a:bodyPr>
           <a:lstStyle/>
           <a:p>
             <a:pPr algn="ctr">
               <a:lnSpc>
-                <a:spcPts val="5053"/>
+                <a:spcPts val="5600"/>
               </a:lnSpc>
             </a:pPr>
             <a:r>
-              <a:rPr lang="en-US" sz="3609">
+              <a:rPr lang="en-US" sz="4000">
                 <a:solidFill>
                   <a:srgbClr val="231F1D"/>
                 </a:solidFill>
                 <a:latin typeface="Montserrat Semi-Bold"/>
               </a:rPr>
-              <a:t>Этот метод был</a:t>
+              <a:t> Метод был</a:t>
             </a:r>
           </a:p>
           <a:p>
             <a:pPr algn="ctr">
               <a:lnSpc>
-                <a:spcPts val="5053"/>
+                <a:spcPts val="5600"/>
               </a:lnSpc>
             </a:pPr>
             <a:r>
-              <a:rPr lang="en-US" sz="3609">
+              <a:rPr lang="en-US" sz="4000">
                 <a:solidFill>
                   <a:srgbClr val="231F1D"/>
                 </a:solidFill>
@@ -4881,11 +5705,11 @@
           <a:p>
             <a:pPr algn="ctr">
               <a:lnSpc>
-                <a:spcPts val="5053"/>
+                <a:spcPts val="5600"/>
               </a:lnSpc>
             </a:pPr>
             <a:r>
-              <a:rPr lang="en-US" sz="3609">
+              <a:rPr lang="en-US" sz="4000">
                 <a:solidFill>
                   <a:srgbClr val="231F1D"/>
                 </a:solidFill>
@@ -4901,17 +5725,25 @@
   <p:clrMapOvr>
     <a:masterClrMapping/>
   </p:clrMapOvr>
+  <p:timing>
+    <p:tnLst>
+      <p:par>
+        <p:cTn id="1" dur="indefinite" restart="never" nodeType="tmRoot"/>
+      </p:par>
+    </p:tnLst>
+  </p:timing>
 </p:sld>
 </file>
 
 <file path=ppt/slides/slide6.xml><?xml version="1.0" encoding="utf-8"?>
-<p:sld xmlns:p="http://schemas.openxmlformats.org/presentationml/2006/main" xmlns:a="http://schemas.openxmlformats.org/drawingml/2006/main" xmlns:r="http://schemas.openxmlformats.org/officeDocument/2006/relationships">
+<p:sld xmlns:a="http://schemas.openxmlformats.org/drawingml/2006/main" xmlns:r="http://schemas.openxmlformats.org/officeDocument/2006/relationships" xmlns:p="http://schemas.openxmlformats.org/presentationml/2006/main">
   <p:cSld>
     <p:bg>
       <p:bgPr>
         <a:solidFill>
           <a:srgbClr val="231F1D"/>
         </a:solidFill>
+        <a:effectLst/>
       </p:bgPr>
     </p:bg>
     <p:spTree>
@@ -4930,12 +5762,12 @@
       </p:grpSpPr>
       <p:grpSp>
         <p:nvGrpSpPr>
-          <p:cNvPr name="Group 2" id="2"/>
+          <p:cNvPr id="2" name="Group 2"/>
           <p:cNvGrpSpPr/>
           <p:nvPr/>
         </p:nvGrpSpPr>
         <p:grpSpPr>
-          <a:xfrm rot="0">
+          <a:xfrm>
             <a:off x="0" y="9258300"/>
             <a:ext cx="18288000" cy="551390"/>
             <a:chOff x="0" y="0"/>
@@ -4944,7 +5776,7 @@
         </p:grpSpPr>
         <p:sp>
           <p:nvSpPr>
-            <p:cNvPr name="Freeform 3" id="3"/>
+            <p:cNvPr id="3" name="Freeform 3"/>
             <p:cNvSpPr/>
             <p:nvPr/>
           </p:nvSpPr>
@@ -4958,9 +5790,9 @@
               <a:gdLst/>
               <a:ahLst/>
               <a:cxnLst/>
-              <a:rect r="r" b="b" t="t" l="l"/>
+              <a:rect l="l" t="t" r="r" b="b"/>
               <a:pathLst>
-                <a:path h="152400" w="5054664">
+                <a:path w="5054664" h="152400">
                   <a:moveTo>
                     <a:pt x="0" y="0"/>
                   </a:moveTo>
@@ -4985,45 +5817,45 @@
       </p:grpSp>
       <p:sp>
         <p:nvSpPr>
-          <p:cNvPr name="AutoShape 4" id="4"/>
+          <p:cNvPr id="4" name="AutoShape 4"/>
           <p:cNvSpPr/>
           <p:nvPr/>
         </p:nvSpPr>
         <p:spPr>
-          <a:xfrm rot="0">
+          <a:xfrm>
             <a:off x="158650" y="990600"/>
             <a:ext cx="18129350" cy="0"/>
           </a:xfrm>
           <a:prstGeom prst="line">
             <a:avLst/>
           </a:prstGeom>
-          <a:ln cap="rnd" w="123825">
+          <a:ln w="123825" cap="rnd">
             <a:solidFill>
               <a:srgbClr val="40C6CC"/>
             </a:solidFill>
             <a:prstDash val="solid"/>
-            <a:headEnd type="none" len="sm" w="sm"/>
-            <a:tailEnd type="none" len="sm" w="sm"/>
+            <a:headEnd type="none" w="sm" len="sm"/>
+            <a:tailEnd type="none" w="sm" len="sm"/>
           </a:ln>
         </p:spPr>
       </p:sp>
       <p:pic>
         <p:nvPicPr>
-          <p:cNvPr name="Picture 5" id="5"/>
+          <p:cNvPr id="5" name="Picture 5"/>
           <p:cNvPicPr>
-            <a:picLocks noChangeAspect="true"/>
+            <a:picLocks noChangeAspect="1"/>
           </p:cNvPicPr>
           <p:nvPr/>
         </p:nvPicPr>
         <p:blipFill>
           <a:blip r:embed="rId2"/>
-          <a:srcRect l="0" t="0" r="0" b="0"/>
+          <a:srcRect/>
           <a:stretch>
             <a:fillRect/>
           </a:stretch>
         </p:blipFill>
         <p:spPr>
-          <a:xfrm flipH="false" flipV="false" rot="0">
+          <a:xfrm>
             <a:off x="1028700" y="0"/>
             <a:ext cx="7135565" cy="10287000"/>
           </a:xfrm>
@@ -5034,21 +5866,21 @@
       </p:pic>
       <p:pic>
         <p:nvPicPr>
-          <p:cNvPr name="Picture 6" id="6"/>
+          <p:cNvPr id="6" name="Picture 6"/>
           <p:cNvPicPr>
-            <a:picLocks noChangeAspect="true"/>
+            <a:picLocks noChangeAspect="1"/>
           </p:cNvPicPr>
           <p:nvPr/>
         </p:nvPicPr>
         <p:blipFill>
           <a:blip r:embed="rId3"/>
-          <a:srcRect l="0" t="0" r="0" b="0"/>
+          <a:srcRect/>
           <a:stretch>
             <a:fillRect/>
           </a:stretch>
         </p:blipFill>
         <p:spPr>
-          <a:xfrm flipH="false" flipV="false" rot="0">
+          <a:xfrm>
             <a:off x="10136545" y="0"/>
             <a:ext cx="7122755" cy="10287000"/>
           </a:xfrm>
@@ -5062,17 +5894,25 @@
   <p:clrMapOvr>
     <a:masterClrMapping/>
   </p:clrMapOvr>
+  <p:timing>
+    <p:tnLst>
+      <p:par>
+        <p:cTn id="1" dur="indefinite" restart="never" nodeType="tmRoot"/>
+      </p:par>
+    </p:tnLst>
+  </p:timing>
 </p:sld>
 </file>
 
 <file path=ppt/slides/slide7.xml><?xml version="1.0" encoding="utf-8"?>
-<p:sld xmlns:p="http://schemas.openxmlformats.org/presentationml/2006/main" xmlns:a="http://schemas.openxmlformats.org/drawingml/2006/main" xmlns:r="http://schemas.openxmlformats.org/officeDocument/2006/relationships">
+<p:sld xmlns:a="http://schemas.openxmlformats.org/drawingml/2006/main" xmlns:r="http://schemas.openxmlformats.org/officeDocument/2006/relationships" xmlns:p="http://schemas.openxmlformats.org/presentationml/2006/main">
   <p:cSld>
     <p:bg>
       <p:bgPr>
         <a:solidFill>
           <a:srgbClr val="231F1D"/>
         </a:solidFill>
+        <a:effectLst/>
       </p:bgPr>
     </p:bg>
     <p:spTree>
@@ -5091,21 +5931,21 @@
       </p:grpSpPr>
       <p:pic>
         <p:nvPicPr>
-          <p:cNvPr name="Picture 2" id="2"/>
+          <p:cNvPr id="2" name="Picture 2"/>
           <p:cNvPicPr>
-            <a:picLocks noChangeAspect="true"/>
+            <a:picLocks noChangeAspect="1"/>
           </p:cNvPicPr>
           <p:nvPr/>
         </p:nvPicPr>
         <p:blipFill>
           <a:blip r:embed="rId2"/>
-          <a:srcRect l="0" t="0" r="0" b="0"/>
+          <a:srcRect/>
           <a:stretch>
             <a:fillRect/>
           </a:stretch>
         </p:blipFill>
         <p:spPr>
-          <a:xfrm flipH="false" flipV="false" rot="0">
+          <a:xfrm>
             <a:off x="8674466" y="2160557"/>
             <a:ext cx="3390931" cy="3346397"/>
           </a:xfrm>
@@ -5116,21 +5956,21 @@
       </p:pic>
       <p:pic>
         <p:nvPicPr>
-          <p:cNvPr name="Picture 3" id="3"/>
+          <p:cNvPr id="3" name="Picture 3"/>
           <p:cNvPicPr>
-            <a:picLocks noChangeAspect="true"/>
+            <a:picLocks noChangeAspect="1"/>
           </p:cNvPicPr>
           <p:nvPr/>
         </p:nvPicPr>
         <p:blipFill>
           <a:blip r:embed="rId3"/>
-          <a:srcRect l="0" t="0" r="0" b="0"/>
+          <a:srcRect/>
           <a:stretch>
             <a:fillRect/>
           </a:stretch>
         </p:blipFill>
         <p:spPr>
-          <a:xfrm flipH="false" flipV="false" rot="0">
+          <a:xfrm>
             <a:off x="13135556" y="2160557"/>
             <a:ext cx="3371942" cy="3346397"/>
           </a:xfrm>
@@ -5141,12 +5981,12 @@
       </p:pic>
       <p:sp>
         <p:nvSpPr>
-          <p:cNvPr name="TextBox 4" id="4"/>
-          <p:cNvSpPr txBox="true"/>
-          <p:nvPr/>
-        </p:nvSpPr>
-        <p:spPr>
-          <a:xfrm rot="0">
+          <p:cNvPr id="4" name="TextBox 4"/>
+          <p:cNvSpPr txBox="1"/>
+          <p:nvPr/>
+        </p:nvSpPr>
+        <p:spPr>
+          <a:xfrm>
             <a:off x="551189" y="333041"/>
             <a:ext cx="7548682" cy="1432546"/>
           </a:xfrm>
@@ -5155,7 +5995,7 @@
           </a:prstGeom>
         </p:spPr>
         <p:txBody>
-          <a:bodyPr anchor="t" rtlCol="false" tIns="0" lIns="0" bIns="0" rIns="0">
+          <a:bodyPr lIns="0" tIns="0" rIns="0" bIns="0" rtlCol="0" anchor="t">
             <a:spAutoFit/>
           </a:bodyPr>
           <a:lstStyle/>
@@ -5179,12 +6019,12 @@
       </p:sp>
       <p:sp>
         <p:nvSpPr>
-          <p:cNvPr name="TextBox 5" id="5"/>
-          <p:cNvSpPr txBox="true"/>
-          <p:nvPr/>
-        </p:nvSpPr>
-        <p:spPr>
-          <a:xfrm rot="0">
+          <p:cNvPr id="5" name="TextBox 5"/>
+          <p:cNvSpPr txBox="1"/>
+          <p:nvPr/>
+        </p:nvSpPr>
+        <p:spPr>
+          <a:xfrm>
             <a:off x="1028700" y="6717618"/>
             <a:ext cx="16230600" cy="582295"/>
           </a:xfrm>
@@ -5193,7 +6033,7 @@
           </a:prstGeom>
         </p:spPr>
         <p:txBody>
-          <a:bodyPr anchor="t" rtlCol="false" tIns="0" lIns="0" bIns="0" rIns="0">
+          <a:bodyPr lIns="0" tIns="0" rIns="0" bIns="0" rtlCol="0" anchor="t">
             <a:spAutoFit/>
           </a:bodyPr>
           <a:lstStyle/>
@@ -5217,12 +6057,12 @@
       </p:sp>
       <p:sp>
         <p:nvSpPr>
-          <p:cNvPr name="TextBox 6" id="6"/>
-          <p:cNvSpPr txBox="true"/>
-          <p:nvPr/>
-        </p:nvSpPr>
-        <p:spPr>
-          <a:xfrm rot="0">
+          <p:cNvPr id="6" name="TextBox 6"/>
+          <p:cNvSpPr txBox="1"/>
+          <p:nvPr/>
+        </p:nvSpPr>
+        <p:spPr>
+          <a:xfrm>
             <a:off x="1125784" y="5619978"/>
             <a:ext cx="9406691" cy="812019"/>
           </a:xfrm>
@@ -5231,7 +6071,7 @@
           </a:prstGeom>
         </p:spPr>
         <p:txBody>
-          <a:bodyPr anchor="t" rtlCol="false" tIns="0" lIns="0" bIns="0" rIns="0">
+          <a:bodyPr lIns="0" tIns="0" rIns="0" bIns="0" rtlCol="0" anchor="t">
             <a:spAutoFit/>
           </a:bodyPr>
           <a:lstStyle/>
@@ -5255,12 +6095,12 @@
       </p:sp>
       <p:sp>
         <p:nvSpPr>
-          <p:cNvPr name="TextBox 7" id="7"/>
-          <p:cNvSpPr txBox="true"/>
-          <p:nvPr/>
-        </p:nvSpPr>
-        <p:spPr>
-          <a:xfrm rot="0">
+          <p:cNvPr id="7" name="TextBox 7"/>
+          <p:cNvSpPr txBox="1"/>
+          <p:nvPr/>
+        </p:nvSpPr>
+        <p:spPr>
+          <a:xfrm>
             <a:off x="1125784" y="7504706"/>
             <a:ext cx="7134541" cy="796925"/>
           </a:xfrm>
@@ -5269,7 +6109,7 @@
           </a:prstGeom>
         </p:spPr>
         <p:txBody>
-          <a:bodyPr anchor="t" rtlCol="false" tIns="0" lIns="0" bIns="0" rIns="0">
+          <a:bodyPr lIns="0" tIns="0" rIns="0" bIns="0" rtlCol="0" anchor="t">
             <a:spAutoFit/>
           </a:bodyPr>
           <a:lstStyle/>
@@ -5293,12 +6133,12 @@
       </p:sp>
       <p:sp>
         <p:nvSpPr>
-          <p:cNvPr name="TextBox 8" id="8"/>
-          <p:cNvSpPr txBox="true"/>
-          <p:nvPr/>
-        </p:nvSpPr>
-        <p:spPr>
-          <a:xfrm rot="0">
+          <p:cNvPr id="8" name="TextBox 8"/>
+          <p:cNvSpPr txBox="1"/>
+          <p:nvPr/>
+        </p:nvSpPr>
+        <p:spPr>
+          <a:xfrm>
             <a:off x="1125784" y="1670337"/>
             <a:ext cx="6974086" cy="885190"/>
           </a:xfrm>
@@ -5307,7 +6147,7 @@
           </a:prstGeom>
         </p:spPr>
         <p:txBody>
-          <a:bodyPr anchor="t" rtlCol="false" tIns="0" lIns="0" bIns="0" rIns="0">
+          <a:bodyPr lIns="0" tIns="0" rIns="0" bIns="0" rtlCol="0" anchor="t">
             <a:spAutoFit/>
           </a:bodyPr>
           <a:lstStyle/>
@@ -5331,12 +6171,12 @@
       </p:sp>
       <p:sp>
         <p:nvSpPr>
-          <p:cNvPr name="TextBox 9" id="9"/>
-          <p:cNvSpPr txBox="true"/>
-          <p:nvPr/>
-        </p:nvSpPr>
-        <p:spPr>
-          <a:xfrm rot="0">
+          <p:cNvPr id="9" name="TextBox 9"/>
+          <p:cNvSpPr txBox="1"/>
+          <p:nvPr/>
+        </p:nvSpPr>
+        <p:spPr>
+          <a:xfrm>
             <a:off x="1028700" y="8676005"/>
             <a:ext cx="3919299" cy="582295"/>
           </a:xfrm>
@@ -5345,7 +6185,7 @@
           </a:prstGeom>
         </p:spPr>
         <p:txBody>
-          <a:bodyPr anchor="t" rtlCol="false" tIns="0" lIns="0" bIns="0" rIns="0">
+          <a:bodyPr lIns="0" tIns="0" rIns="0" bIns="0" rtlCol="0" anchor="t">
             <a:spAutoFit/>
           </a:bodyPr>
           <a:lstStyle/>
@@ -5369,7 +6209,7 @@
       </p:sp>
       <p:sp>
         <p:nvSpPr>
-          <p:cNvPr name="AutoShape 10" id="10"/>
+          <p:cNvPr id="10" name="AutoShape 10"/>
           <p:cNvSpPr/>
           <p:nvPr/>
         </p:nvSpPr>
@@ -5381,13 +6221,13 @@
           <a:prstGeom prst="line">
             <a:avLst/>
           </a:prstGeom>
-          <a:ln cap="rnd" w="95250">
+          <a:ln w="95250" cap="rnd">
             <a:solidFill>
               <a:srgbClr val="40C6CC"/>
             </a:solidFill>
             <a:prstDash val="solid"/>
-            <a:headEnd type="none" len="sm" w="sm"/>
-            <a:tailEnd type="none" len="sm" w="sm"/>
+            <a:headEnd type="none" w="sm" len="sm"/>
+            <a:tailEnd type="none" w="sm" len="sm"/>
           </a:ln>
         </p:spPr>
       </p:sp>
@@ -5396,17 +6236,25 @@
   <p:clrMapOvr>
     <a:masterClrMapping/>
   </p:clrMapOvr>
+  <p:timing>
+    <p:tnLst>
+      <p:par>
+        <p:cTn id="1" dur="indefinite" restart="never" nodeType="tmRoot"/>
+      </p:par>
+    </p:tnLst>
+  </p:timing>
 </p:sld>
 </file>
 
 <file path=ppt/slides/slide8.xml><?xml version="1.0" encoding="utf-8"?>
-<p:sld xmlns:p="http://schemas.openxmlformats.org/presentationml/2006/main" xmlns:a="http://schemas.openxmlformats.org/drawingml/2006/main" xmlns:r="http://schemas.openxmlformats.org/officeDocument/2006/relationships">
+<p:sld xmlns:a="http://schemas.openxmlformats.org/drawingml/2006/main" xmlns:r="http://schemas.openxmlformats.org/officeDocument/2006/relationships" xmlns:p="http://schemas.openxmlformats.org/presentationml/2006/main">
   <p:cSld>
     <p:bg>
       <p:bgPr>
         <a:solidFill>
           <a:srgbClr val="231F1D"/>
         </a:solidFill>
+        <a:effectLst/>
       </p:bgPr>
     </p:bg>
     <p:spTree>
@@ -5425,128 +6273,229 @@
       </p:grpSpPr>
       <p:sp>
         <p:nvSpPr>
-          <p:cNvPr name="AutoShape 2" id="2"/>
+          <p:cNvPr id="2" name="AutoShape 2"/>
           <p:cNvSpPr/>
           <p:nvPr/>
         </p:nvSpPr>
         <p:spPr>
-          <a:xfrm rot="0">
-            <a:off x="9144000" y="-514350"/>
-            <a:ext cx="9728200" cy="11506200"/>
-          </a:xfrm>
-          <a:prstGeom prst="rect">
-            <a:avLst/>
-          </a:prstGeom>
-          <a:solidFill>
-            <a:srgbClr val="41514F"/>
-          </a:solidFill>
-        </p:spPr>
-      </p:sp>
-      <p:sp>
-        <p:nvSpPr>
-          <p:cNvPr name="AutoShape 3" id="3"/>
+          <a:xfrm>
+            <a:off x="-250488" y="9167812"/>
+            <a:ext cx="18538488" cy="0"/>
+          </a:xfrm>
+          <a:prstGeom prst="line">
+            <a:avLst/>
+          </a:prstGeom>
+          <a:ln w="180975" cap="rnd">
+            <a:solidFill>
+              <a:srgbClr val="40C6CC"/>
+            </a:solidFill>
+            <a:prstDash val="solid"/>
+            <a:headEnd type="none" w="sm" len="sm"/>
+            <a:tailEnd type="none" w="sm" len="sm"/>
+          </a:ln>
+        </p:spPr>
+      </p:sp>
+      <p:sp>
+        <p:nvSpPr>
+          <p:cNvPr id="3" name="AutoShape 3"/>
           <p:cNvSpPr/>
           <p:nvPr/>
         </p:nvSpPr>
         <p:spPr>
-          <a:xfrm rot="0">
-            <a:off x="-1133732" y="419100"/>
-            <a:ext cx="20555465" cy="74141"/>
-          </a:xfrm>
-          <a:prstGeom prst="rect">
-            <a:avLst/>
-          </a:prstGeom>
-          <a:solidFill>
-            <a:srgbClr val="F7F9F8"/>
-          </a:solidFill>
-        </p:spPr>
-      </p:sp>
-      <p:sp>
-        <p:nvSpPr>
-          <p:cNvPr name="AutoShape 4" id="4"/>
-          <p:cNvSpPr/>
-          <p:nvPr/>
-        </p:nvSpPr>
-        <p:spPr>
-          <a:xfrm rot="0">
-            <a:off x="-1133732" y="9793759"/>
-            <a:ext cx="20555465" cy="74141"/>
-          </a:xfrm>
-          <a:prstGeom prst="rect">
-            <a:avLst/>
-          </a:prstGeom>
-          <a:solidFill>
-            <a:srgbClr val="F7F9F8"/>
-          </a:solidFill>
+          <a:xfrm>
+            <a:off x="0" y="4349750"/>
+            <a:ext cx="18288000" cy="0"/>
+          </a:xfrm>
+          <a:prstGeom prst="line">
+            <a:avLst/>
+          </a:prstGeom>
+          <a:ln w="142875" cap="rnd">
+            <a:solidFill>
+              <a:srgbClr val="40C6CC"/>
+            </a:solidFill>
+            <a:prstDash val="solid"/>
+            <a:headEnd type="none" w="sm" len="sm"/>
+            <a:tailEnd type="none" w="sm" len="sm"/>
+          </a:ln>
         </p:spPr>
       </p:sp>
       <p:pic>
         <p:nvPicPr>
-          <p:cNvPr name="Picture 5" id="5"/>
+          <p:cNvPr id="4" name="Picture 4"/>
           <p:cNvPicPr>
-            <a:picLocks noChangeAspect="true"/>
+            <a:picLocks noChangeAspect="1"/>
           </p:cNvPicPr>
           <p:nvPr/>
         </p:nvPicPr>
         <p:blipFill>
           <a:blip r:embed="rId2"/>
-          <a:srcRect l="0" t="0" r="0" b="0"/>
+          <a:srcRect/>
           <a:stretch>
             <a:fillRect/>
           </a:stretch>
         </p:blipFill>
         <p:spPr>
-          <a:xfrm flipH="false" flipV="false" rot="0">
-            <a:off x="10168468" y="500820"/>
-            <a:ext cx="7545857" cy="9319455"/>
+          <a:xfrm>
+            <a:off x="10002615" y="10278"/>
+            <a:ext cx="8285385" cy="10276722"/>
           </a:xfrm>
           <a:prstGeom prst="rect">
             <a:avLst/>
           </a:prstGeom>
         </p:spPr>
       </p:pic>
+      <p:sp>
+        <p:nvSpPr>
+          <p:cNvPr id="5" name="TextBox 5"/>
+          <p:cNvSpPr txBox="1"/>
+          <p:nvPr/>
+        </p:nvSpPr>
+        <p:spPr>
+          <a:xfrm>
+            <a:off x="1028700" y="4359275"/>
+            <a:ext cx="7490103" cy="4718050"/>
+          </a:xfrm>
+          <a:prstGeom prst="rect">
+            <a:avLst/>
+          </a:prstGeom>
+        </p:spPr>
+        <p:txBody>
+          <a:bodyPr lIns="0" tIns="0" rIns="0" bIns="0" rtlCol="0" anchor="t">
+            <a:spAutoFit/>
+          </a:bodyPr>
+          <a:lstStyle/>
+          <a:p>
+            <a:pPr algn="ctr">
+              <a:lnSpc>
+                <a:spcPts val="9379"/>
+              </a:lnSpc>
+            </a:pPr>
+            <a:r>
+              <a:rPr lang="en-US" sz="6699">
+                <a:solidFill>
+                  <a:srgbClr val="40C6CC"/>
+                </a:solidFill>
+                <a:latin typeface="Montserrat Semi-Bold"/>
+              </a:rPr>
+              <a:t>Можно </a:t>
+            </a:r>
+          </a:p>
+          <a:p>
+            <a:pPr algn="ctr">
+              <a:lnSpc>
+                <a:spcPts val="9379"/>
+              </a:lnSpc>
+            </a:pPr>
+            <a:r>
+              <a:rPr lang="en-US" sz="6699">
+                <a:solidFill>
+                  <a:srgbClr val="40C6CC"/>
+                </a:solidFill>
+                <a:latin typeface="Montserrat Semi-Bold"/>
+              </a:rPr>
+              <a:t>переназначить</a:t>
+            </a:r>
+          </a:p>
+          <a:p>
+            <a:pPr algn="ctr">
+              <a:lnSpc>
+                <a:spcPts val="9379"/>
+              </a:lnSpc>
+            </a:pPr>
+            <a:r>
+              <a:rPr lang="en-US" sz="6699">
+                <a:solidFill>
+                  <a:srgbClr val="40C6CC"/>
+                </a:solidFill>
+                <a:latin typeface="Montserrat Semi-Bold"/>
+              </a:rPr>
+              <a:t> кнопки для </a:t>
+            </a:r>
+          </a:p>
+          <a:p>
+            <a:pPr algn="ctr">
+              <a:lnSpc>
+                <a:spcPts val="9379"/>
+              </a:lnSpc>
+            </a:pPr>
+            <a:r>
+              <a:rPr lang="en-US" sz="6699">
+                <a:solidFill>
+                  <a:srgbClr val="40C6CC"/>
+                </a:solidFill>
+                <a:latin typeface="Montserrat Semi-Bold"/>
+              </a:rPr>
+              <a:t>своего удобства</a:t>
+            </a:r>
+          </a:p>
+        </p:txBody>
+      </p:sp>
+      <p:sp>
+        <p:nvSpPr>
+          <p:cNvPr id="6" name="AutoShape 6"/>
+          <p:cNvSpPr/>
+          <p:nvPr/>
+        </p:nvSpPr>
+        <p:spPr>
+          <a:xfrm rot="-5400000">
+            <a:off x="1825403" y="5081588"/>
+            <a:ext cx="16230600" cy="0"/>
+          </a:xfrm>
+          <a:prstGeom prst="line">
+            <a:avLst/>
+          </a:prstGeom>
+          <a:ln w="123825" cap="rnd">
+            <a:solidFill>
+              <a:srgbClr val="40C6CC"/>
+            </a:solidFill>
+            <a:prstDash val="solid"/>
+            <a:headEnd type="none" w="sm" len="sm"/>
+            <a:tailEnd type="none" w="sm" len="sm"/>
+          </a:ln>
+        </p:spPr>
+      </p:sp>
       <p:grpSp>
         <p:nvGrpSpPr>
-          <p:cNvPr name="Group 6" id="6"/>
+          <p:cNvPr id="7" name="Group 7"/>
           <p:cNvGrpSpPr/>
           <p:nvPr/>
         </p:nvGrpSpPr>
         <p:grpSpPr>
-          <a:xfrm rot="0">
-            <a:off x="1275474" y="1026608"/>
-            <a:ext cx="7868526" cy="3039190"/>
+          <a:xfrm>
+            <a:off x="1339442" y="1178512"/>
+            <a:ext cx="7679314" cy="2966108"/>
             <a:chOff x="0" y="0"/>
-            <a:chExt cx="10491368" cy="4052254"/>
+            <a:chExt cx="10239086" cy="3954811"/>
           </a:xfrm>
         </p:grpSpPr>
         <p:sp>
           <p:nvSpPr>
-            <p:cNvPr name="TextBox 7" id="7"/>
-            <p:cNvSpPr txBox="true"/>
+            <p:cNvPr id="8" name="TextBox 8"/>
+            <p:cNvSpPr txBox="1"/>
             <p:nvPr/>
           </p:nvSpPr>
           <p:spPr>
-            <a:xfrm rot="0">
-              <a:off x="0" y="-57150"/>
-              <a:ext cx="10491368" cy="2948808"/>
+            <a:xfrm>
+              <a:off x="0" y="-66675"/>
+              <a:ext cx="10239086" cy="2888799"/>
             </a:xfrm>
             <a:prstGeom prst="rect">
               <a:avLst/>
             </a:prstGeom>
           </p:spPr>
           <p:txBody>
-            <a:bodyPr anchor="t" rtlCol="false" tIns="0" lIns="0" bIns="0" rIns="0">
+            <a:bodyPr lIns="0" tIns="0" rIns="0" bIns="0" rtlCol="0" anchor="t">
               <a:spAutoFit/>
             </a:bodyPr>
             <a:lstStyle/>
             <a:p>
               <a:pPr algn="l">
                 <a:lnSpc>
-                  <a:spcPts val="8882"/>
+                  <a:spcPts val="8669"/>
                 </a:lnSpc>
               </a:pPr>
               <a:r>
-                <a:rPr lang="en-US" sz="6832">
+                <a:rPr lang="en-US" sz="6668">
                   <a:solidFill>
                     <a:srgbClr val="40C6CC"/>
                   </a:solidFill>
@@ -5559,98 +6508,59 @@
         </p:sp>
         <p:sp>
           <p:nvSpPr>
-            <p:cNvPr name="TextBox 8" id="8"/>
-            <p:cNvSpPr txBox="true"/>
+            <p:cNvPr id="9" name="TextBox 9"/>
+            <p:cNvSpPr txBox="1"/>
             <p:nvPr/>
           </p:nvSpPr>
           <p:spPr>
-            <a:xfrm rot="0">
-              <a:off x="0" y="2999112"/>
-              <a:ext cx="10491368" cy="1053142"/>
+            <a:xfrm>
+              <a:off x="0" y="2934228"/>
+              <a:ext cx="10239086" cy="1020583"/>
             </a:xfrm>
             <a:prstGeom prst="rect">
               <a:avLst/>
             </a:prstGeom>
           </p:spPr>
           <p:txBody>
-            <a:bodyPr anchor="t" rtlCol="false" tIns="0" lIns="0" bIns="0" rIns="0">
+            <a:bodyPr lIns="0" tIns="0" rIns="0" bIns="0" rtlCol="0" anchor="t">
               <a:spAutoFit/>
             </a:bodyPr>
             <a:lstStyle/>
             <a:p>
               <a:pPr algn="l">
                 <a:lnSpc>
-                  <a:spcPts val="6622"/>
+                  <a:spcPts val="6463"/>
                 </a:lnSpc>
               </a:pPr>
+              <a:endParaRPr/>
             </a:p>
           </p:txBody>
         </p:sp>
       </p:grpSp>
-      <p:sp>
-        <p:nvSpPr>
-          <p:cNvPr name="AutoShape 9" id="9"/>
-          <p:cNvSpPr/>
-          <p:nvPr/>
-        </p:nvSpPr>
-        <p:spPr>
-          <a:xfrm rot="0">
-            <a:off x="-283195" y="9772650"/>
-            <a:ext cx="18571195" cy="0"/>
-          </a:xfrm>
-          <a:prstGeom prst="line">
-            <a:avLst/>
-          </a:prstGeom>
-          <a:ln cap="rnd" w="95250">
-            <a:solidFill>
-              <a:srgbClr val="40C6CC"/>
-            </a:solidFill>
-            <a:prstDash val="solid"/>
-            <a:headEnd type="none" len="sm" w="sm"/>
-            <a:tailEnd type="none" len="sm" w="sm"/>
-          </a:ln>
-        </p:spPr>
-      </p:sp>
-      <p:sp>
-        <p:nvSpPr>
-          <p:cNvPr name="AutoShape 10" id="10"/>
-          <p:cNvSpPr/>
-          <p:nvPr/>
-        </p:nvSpPr>
-        <p:spPr>
-          <a:xfrm rot="0">
-            <a:off x="-283195" y="405570"/>
-            <a:ext cx="19155395" cy="0"/>
-          </a:xfrm>
-          <a:prstGeom prst="line">
-            <a:avLst/>
-          </a:prstGeom>
-          <a:ln cap="rnd" w="95250">
-            <a:solidFill>
-              <a:srgbClr val="40C6CC"/>
-            </a:solidFill>
-            <a:prstDash val="solid"/>
-            <a:headEnd type="none" len="sm" w="sm"/>
-            <a:tailEnd type="none" len="sm" w="sm"/>
-          </a:ln>
-        </p:spPr>
-      </p:sp>
     </p:spTree>
   </p:cSld>
   <p:clrMapOvr>
     <a:masterClrMapping/>
   </p:clrMapOvr>
+  <p:timing>
+    <p:tnLst>
+      <p:par>
+        <p:cTn id="1" dur="indefinite" restart="never" nodeType="tmRoot"/>
+      </p:par>
+    </p:tnLst>
+  </p:timing>
 </p:sld>
 </file>
 
 <file path=ppt/slides/slide9.xml><?xml version="1.0" encoding="utf-8"?>
-<p:sld xmlns:p="http://schemas.openxmlformats.org/presentationml/2006/main" xmlns:a="http://schemas.openxmlformats.org/drawingml/2006/main" xmlns:r="http://schemas.openxmlformats.org/officeDocument/2006/relationships">
+<p:sld xmlns:a="http://schemas.openxmlformats.org/drawingml/2006/main" xmlns:r="http://schemas.openxmlformats.org/officeDocument/2006/relationships" xmlns:p="http://schemas.openxmlformats.org/presentationml/2006/main">
   <p:cSld>
     <p:bg>
       <p:bgPr>
         <a:solidFill>
           <a:srgbClr val="231F1D"/>
         </a:solidFill>
+        <a:effectLst/>
       </p:bgPr>
     </p:bg>
     <p:spTree>
@@ -5667,73 +6577,80 @@
           <a:chExt cx="0" cy="0"/>
         </a:xfrm>
       </p:grpSpPr>
-      <p:sp>
-        <p:nvSpPr>
-          <p:cNvPr name="AutoShape 2" id="2"/>
-          <p:cNvSpPr/>
-          <p:nvPr/>
-        </p:nvSpPr>
-        <p:spPr>
-          <a:xfrm rot="0">
-            <a:off x="-125244" y="5843707"/>
-            <a:ext cx="18538488" cy="0"/>
-          </a:xfrm>
-          <a:prstGeom prst="line">
-            <a:avLst/>
-          </a:prstGeom>
-          <a:ln cap="rnd" w="180975">
+      <p:grpSp>
+        <p:nvGrpSpPr>
+          <p:cNvPr id="2" name="Group 2"/>
+          <p:cNvGrpSpPr/>
+          <p:nvPr/>
+        </p:nvGrpSpPr>
+        <p:grpSpPr>
+          <a:xfrm>
+            <a:off x="0" y="2314575"/>
+            <a:ext cx="11725240" cy="5333257"/>
+            <a:chOff x="0" y="0"/>
+            <a:chExt cx="3966316" cy="1804089"/>
+          </a:xfrm>
+        </p:grpSpPr>
+        <p:sp>
+          <p:nvSpPr>
+            <p:cNvPr id="3" name="Freeform 3"/>
+            <p:cNvSpPr/>
+            <p:nvPr/>
+          </p:nvSpPr>
+          <p:spPr>
+            <a:xfrm>
+              <a:off x="0" y="0"/>
+              <a:ext cx="3966316" cy="1804089"/>
+            </a:xfrm>
+            <a:custGeom>
+              <a:avLst/>
+              <a:gdLst/>
+              <a:ahLst/>
+              <a:cxnLst/>
+              <a:rect l="l" t="t" r="r" b="b"/>
+              <a:pathLst>
+                <a:path w="3966316" h="1804089">
+                  <a:moveTo>
+                    <a:pt x="0" y="0"/>
+                  </a:moveTo>
+                  <a:lnTo>
+                    <a:pt x="3966316" y="0"/>
+                  </a:lnTo>
+                  <a:lnTo>
+                    <a:pt x="3966316" y="1804089"/>
+                  </a:lnTo>
+                  <a:lnTo>
+                    <a:pt x="0" y="1804089"/>
+                  </a:lnTo>
+                  <a:close/>
+                </a:path>
+              </a:pathLst>
+            </a:custGeom>
             <a:solidFill>
               <a:srgbClr val="40C6CC"/>
             </a:solidFill>
-            <a:prstDash val="solid"/>
-            <a:headEnd type="none" len="sm" w="sm"/>
-            <a:tailEnd type="none" len="sm" w="sm"/>
-          </a:ln>
-        </p:spPr>
-      </p:sp>
-      <p:sp>
-        <p:nvSpPr>
-          <p:cNvPr name="AutoShape 3" id="3"/>
-          <p:cNvSpPr/>
-          <p:nvPr/>
-        </p:nvSpPr>
-        <p:spPr>
-          <a:xfrm rot="0">
-            <a:off x="0" y="637654"/>
-            <a:ext cx="18288000" cy="0"/>
-          </a:xfrm>
-          <a:prstGeom prst="line">
-            <a:avLst/>
-          </a:prstGeom>
-          <a:ln cap="rnd" w="142875">
-            <a:solidFill>
-              <a:srgbClr val="40C6CC"/>
-            </a:solidFill>
-            <a:prstDash val="solid"/>
-            <a:headEnd type="none" len="sm" w="sm"/>
-            <a:tailEnd type="none" len="sm" w="sm"/>
-          </a:ln>
-        </p:spPr>
-      </p:sp>
+          </p:spPr>
+        </p:sp>
+      </p:grpSp>
       <p:pic>
         <p:nvPicPr>
-          <p:cNvPr name="Picture 4" id="4"/>
+          <p:cNvPr id="4" name="Picture 4"/>
           <p:cNvPicPr>
-            <a:picLocks noChangeAspect="true"/>
+            <a:picLocks noChangeAspect="1"/>
           </p:cNvPicPr>
           <p:nvPr/>
         </p:nvPicPr>
         <p:blipFill>
           <a:blip r:embed="rId2"/>
-          <a:srcRect l="0" t="0" r="0" b="0"/>
+          <a:srcRect/>
           <a:stretch>
             <a:fillRect/>
           </a:stretch>
         </p:blipFill>
         <p:spPr>
-          <a:xfrm flipH="false" flipV="false" rot="0">
-            <a:off x="9962127" y="0"/>
-            <a:ext cx="8325873" cy="10287000"/>
+          <a:xfrm>
+            <a:off x="9926470" y="0"/>
+            <a:ext cx="8361530" cy="10287000"/>
           </a:xfrm>
           <a:prstGeom prst="rect">
             <a:avLst/>
@@ -5742,86 +6659,54 @@
       </p:pic>
       <p:sp>
         <p:nvSpPr>
-          <p:cNvPr name="TextBox 5" id="5"/>
-          <p:cNvSpPr txBox="true"/>
-          <p:nvPr/>
-        </p:nvSpPr>
-        <p:spPr>
-          <a:xfrm rot="0">
-            <a:off x="1078647" y="895350"/>
-            <a:ext cx="7490103" cy="4718050"/>
+          <p:cNvPr id="5" name="TextBox 5"/>
+          <p:cNvSpPr txBox="1"/>
+          <p:nvPr/>
+        </p:nvSpPr>
+        <p:spPr>
+          <a:xfrm>
+            <a:off x="0" y="3071788"/>
+            <a:ext cx="9926470" cy="3406169"/>
           </a:xfrm>
           <a:prstGeom prst="rect">
             <a:avLst/>
           </a:prstGeom>
         </p:spPr>
         <p:txBody>
-          <a:bodyPr anchor="t" rtlCol="false" tIns="0" lIns="0" bIns="0" rIns="0">
+          <a:bodyPr lIns="0" tIns="0" rIns="0" bIns="0" rtlCol="0" anchor="t">
             <a:spAutoFit/>
           </a:bodyPr>
           <a:lstStyle/>
           <a:p>
             <a:pPr algn="ctr">
               <a:lnSpc>
-                <a:spcPts val="9379"/>
+                <a:spcPts val="6823"/>
               </a:lnSpc>
             </a:pPr>
             <a:r>
-              <a:rPr lang="en-US" sz="6699">
+              <a:rPr lang="en-US" sz="4873">
                 <a:solidFill>
-                  <a:srgbClr val="40C6CC"/>
+                  <a:srgbClr val="000000"/>
                 </a:solidFill>
-                <a:latin typeface="Montserrat Semi-Bold"/>
+                <a:latin typeface="Montserrat Semi-Bold Bold"/>
               </a:rPr>
-              <a:t>Можно </a:t>
+              <a:t>Изменение клавиш сохраняется и на последующие игры,</a:t>
             </a:r>
           </a:p>
           <a:p>
             <a:pPr algn="ctr">
               <a:lnSpc>
-                <a:spcPts val="9379"/>
+                <a:spcPts val="6823"/>
               </a:lnSpc>
             </a:pPr>
             <a:r>
-              <a:rPr lang="en-US" sz="6699">
+              <a:rPr lang="en-US" sz="4873">
                 <a:solidFill>
-                  <a:srgbClr val="40C6CC"/>
+                  <a:srgbClr val="000000"/>
                 </a:solidFill>
-                <a:latin typeface="Montserrat Semi-Bold"/>
+                <a:latin typeface="Montserrat Semi-Bold Bold"/>
               </a:rPr>
-              <a:t>переназначить</a:t>
-            </a:r>
-          </a:p>
-          <a:p>
-            <a:pPr algn="ctr">
-              <a:lnSpc>
-                <a:spcPts val="9379"/>
-              </a:lnSpc>
-            </a:pPr>
-            <a:r>
-              <a:rPr lang="en-US" sz="6699">
-                <a:solidFill>
-                  <a:srgbClr val="40C6CC"/>
-                </a:solidFill>
-                <a:latin typeface="Montserrat Semi-Bold"/>
-              </a:rPr>
-              <a:t> кнопки для </a:t>
-            </a:r>
-          </a:p>
-          <a:p>
-            <a:pPr algn="ctr">
-              <a:lnSpc>
-                <a:spcPts val="9379"/>
-              </a:lnSpc>
-            </a:pPr>
-            <a:r>
-              <a:rPr lang="en-US" sz="6699">
-                <a:solidFill>
-                  <a:srgbClr val="40C6CC"/>
-                </a:solidFill>
-                <a:latin typeface="Montserrat Semi-Bold"/>
-              </a:rPr>
-              <a:t>своего удобства</a:t>
+              <a:t>после перезахода в игру</a:t>
             </a:r>
           </a:p>
         </p:txBody>
@@ -5831,6 +6716,13 @@
   <p:clrMapOvr>
     <a:masterClrMapping/>
   </p:clrMapOvr>
+  <p:timing>
+    <p:tnLst>
+      <p:par>
+        <p:cTn id="1" dur="indefinite" restart="never" nodeType="tmRoot"/>
+      </p:par>
+    </p:tnLst>
+  </p:timing>
 </p:sld>
 </file>
 
